--- a/presentations/frankfurt_july_2019 day1.pptx
+++ b/presentations/frankfurt_july_2019 day1.pptx
@@ -5935,13 +5935,9 @@
             </a:r>
             <a:r>
               <a:rPr lang="en-US" dirty="0" smtClean="0"/>
-              <a:t> in </a:t>
-            </a:r>
-            <a:r>
-              <a:rPr lang="en-US" smtClean="0"/>
-              <a:t>app/templates/app folder</a:t>
-            </a:r>
-            <a:endParaRPr lang="en-US"/>
+              <a:t> in app/templates/app folder</a:t>
+            </a:r>
+            <a:endParaRPr lang="en-US" dirty="0"/>
           </a:p>
         </p:txBody>
       </p:sp>
@@ -16503,6 +16499,20 @@
               <a:rPr lang="en-US" dirty="0" err="1" smtClean="0"/>
               <a:t>mTurk</a:t>
             </a:r>
+            <a:endParaRPr lang="en-US" dirty="0" smtClean="0"/>
+          </a:p>
+          <a:p>
+            <a:r>
+              <a:rPr lang="en-US" dirty="0"/>
+              <a:t>Deployment on </a:t>
+            </a:r>
+            <a:r>
+              <a:rPr lang="en-US" dirty="0" err="1"/>
+              <a:t>Heroku</a:t>
+            </a:r>
+            <a:endParaRPr lang="en-US"/>
+          </a:p>
+          <a:p>
             <a:endParaRPr lang="en-US" dirty="0" smtClean="0"/>
           </a:p>
         </p:txBody>

--- a/presentations/frankfurt_july_2019 day1.pptx
+++ b/presentations/frankfurt_july_2019 day1.pptx
@@ -5951,6 +5951,13 @@
   <p:clrMapOvr>
     <a:masterClrMapping/>
   </p:clrMapOvr>
+  <p:timing>
+    <p:tnLst>
+      <p:par>
+        <p:cTn id="1" dur="indefinite" restart="never" nodeType="tmRoot"/>
+      </p:par>
+    </p:tnLst>
+  </p:timing>
 </p:sld>
 </file>
 
@@ -7782,6 +7789,13 @@
   <p:clrMapOvr>
     <a:masterClrMapping/>
   </p:clrMapOvr>
+  <p:timing>
+    <p:tnLst>
+      <p:par>
+        <p:cTn id="1" dur="indefinite" restart="never" nodeType="tmRoot"/>
+      </p:par>
+    </p:tnLst>
+  </p:timing>
 </p:sld>
 </file>
 
@@ -11615,6 +11629,13 @@
   <p:clrMapOvr>
     <a:masterClrMapping/>
   </p:clrMapOvr>
+  <p:timing>
+    <p:tnLst>
+      <p:par>
+        <p:cTn id="1" dur="indefinite" restart="never" nodeType="tmRoot"/>
+      </p:par>
+    </p:tnLst>
+  </p:timing>
 </p:sld>
 </file>
 
@@ -14517,6 +14538,13 @@
   <p:clrMapOvr>
     <a:masterClrMapping/>
   </p:clrMapOvr>
+  <p:timing>
+    <p:tnLst>
+      <p:par>
+        <p:cTn id="1" dur="indefinite" restart="never" nodeType="tmRoot"/>
+      </p:par>
+    </p:tnLst>
+  </p:timing>
 </p:sld>
 </file>
 
@@ -16402,6 +16430,13 @@
   <p:clrMapOvr>
     <a:masterClrMapping/>
   </p:clrMapOvr>
+  <p:timing>
+    <p:tnLst>
+      <p:par>
+        <p:cTn id="1" dur="indefinite" restart="never" nodeType="tmRoot"/>
+      </p:par>
+    </p:tnLst>
+  </p:timing>
 </p:sld>
 </file>
 
@@ -16527,6 +16562,13 @@
   <p:clrMapOvr>
     <a:masterClrMapping/>
   </p:clrMapOvr>
+  <p:timing>
+    <p:tnLst>
+      <p:par>
+        <p:cTn id="1" dur="indefinite" restart="never" nodeType="tmRoot"/>
+      </p:par>
+    </p:tnLst>
+  </p:timing>
 </p:sld>
 </file>
 
@@ -16608,6 +16650,13 @@
   <p:clrMapOvr>
     <a:masterClrMapping/>
   </p:clrMapOvr>
+  <p:timing>
+    <p:tnLst>
+      <p:par>
+        <p:cTn id="1" dur="indefinite" restart="never" nodeType="tmRoot"/>
+      </p:par>
+    </p:tnLst>
+  </p:timing>
 </p:sld>
 </file>
 

--- a/presentations/frankfurt_july_2019 day1.pptx
+++ b/presentations/frankfurt_july_2019 day1.pptx
@@ -5,7 +5,7 @@
     <p:sldMasterId id="2147483648" r:id="rId1"/>
   </p:sldMasterIdLst>
   <p:notesMasterIdLst>
-    <p:notesMasterId r:id="rId51"/>
+    <p:notesMasterId r:id="rId50"/>
   </p:notesMasterIdLst>
   <p:sldIdLst>
     <p:sldId id="354" r:id="rId2"/>
@@ -45,18 +45,17 @@
     <p:sldId id="273" r:id="rId36"/>
     <p:sldId id="358" r:id="rId37"/>
     <p:sldId id="357" r:id="rId38"/>
-    <p:sldId id="359" r:id="rId39"/>
-    <p:sldId id="360" r:id="rId40"/>
-    <p:sldId id="361" r:id="rId41"/>
-    <p:sldId id="362" r:id="rId42"/>
-    <p:sldId id="363" r:id="rId43"/>
-    <p:sldId id="283" r:id="rId44"/>
-    <p:sldId id="352" r:id="rId45"/>
-    <p:sldId id="348" r:id="rId46"/>
-    <p:sldId id="284" r:id="rId47"/>
-    <p:sldId id="350" r:id="rId48"/>
-    <p:sldId id="351" r:id="rId49"/>
-    <p:sldId id="306" r:id="rId50"/>
+    <p:sldId id="362" r:id="rId39"/>
+    <p:sldId id="393" r:id="rId40"/>
+    <p:sldId id="363" r:id="rId41"/>
+    <p:sldId id="283" r:id="rId42"/>
+    <p:sldId id="352" r:id="rId43"/>
+    <p:sldId id="348" r:id="rId44"/>
+    <p:sldId id="284" r:id="rId45"/>
+    <p:sldId id="306" r:id="rId46"/>
+    <p:sldId id="359" r:id="rId47"/>
+    <p:sldId id="360" r:id="rId48"/>
+    <p:sldId id="361" r:id="rId49"/>
   </p:sldIdLst>
   <p:sldSz cx="12192000" cy="6858000"/>
   <p:notesSz cx="6858000" cy="9144000"/>
@@ -245,7 +244,7 @@
           <a:p>
             <a:fld id="{124361CD-6CC4-A34D-AE45-29B67002D1E6}" type="datetimeFigureOut">
               <a:rPr lang="en-US" smtClean="0"/>
-              <a:t>7/28/19</a:t>
+              <a:t>7/29/19</a:t>
             </a:fld>
             <a:endParaRPr lang="en-US"/>
           </a:p>
@@ -746,7 +745,7 @@
           <a:p>
             <a:fld id="{CD40DAC1-562A-E942-9290-ED2D37D14EF4}" type="slidenum">
               <a:rPr lang="en-US" smtClean="0"/>
-              <a:t>44</a:t>
+              <a:t>42</a:t>
             </a:fld>
             <a:endParaRPr lang="en-US"/>
           </a:p>
@@ -896,7 +895,7 @@
           <a:p>
             <a:fld id="{38B27D04-8BD5-C047-B9FF-9D6420E37D9D}" type="datetimeFigureOut">
               <a:rPr lang="en-US" smtClean="0"/>
-              <a:t>7/28/19</a:t>
+              <a:t>7/29/19</a:t>
             </a:fld>
             <a:endParaRPr lang="en-US"/>
           </a:p>
@@ -1173,7 +1172,7 @@
           <a:p>
             <a:fld id="{38B27D04-8BD5-C047-B9FF-9D6420E37D9D}" type="datetimeFigureOut">
               <a:rPr lang="en-US" smtClean="0"/>
-              <a:t>7/28/19</a:t>
+              <a:t>7/29/19</a:t>
             </a:fld>
             <a:endParaRPr lang="en-US"/>
           </a:p>
@@ -1426,7 +1425,7 @@
           <a:p>
             <a:fld id="{38B27D04-8BD5-C047-B9FF-9D6420E37D9D}" type="datetimeFigureOut">
               <a:rPr lang="en-US" smtClean="0"/>
-              <a:t>7/28/19</a:t>
+              <a:t>7/29/19</a:t>
             </a:fld>
             <a:endParaRPr lang="en-US"/>
           </a:p>
@@ -1596,7 +1595,7 @@
           <a:p>
             <a:fld id="{38B27D04-8BD5-C047-B9FF-9D6420E37D9D}" type="datetimeFigureOut">
               <a:rPr lang="en-US" smtClean="0"/>
-              <a:t>7/28/19</a:t>
+              <a:t>7/29/19</a:t>
             </a:fld>
             <a:endParaRPr lang="en-US"/>
           </a:p>
@@ -1776,7 +1775,7 @@
           <a:p>
             <a:fld id="{38B27D04-8BD5-C047-B9FF-9D6420E37D9D}" type="datetimeFigureOut">
               <a:rPr lang="en-US" smtClean="0"/>
-              <a:t>7/28/19</a:t>
+              <a:t>7/29/19</a:t>
             </a:fld>
             <a:endParaRPr lang="en-US"/>
           </a:p>
@@ -1986,7 +1985,7 @@
           <a:p>
             <a:fld id="{38B27D04-8BD5-C047-B9FF-9D6420E37D9D}" type="datetimeFigureOut">
               <a:rPr lang="en-US" smtClean="0"/>
-              <a:t>7/28/19</a:t>
+              <a:t>7/29/19</a:t>
             </a:fld>
             <a:endParaRPr lang="en-US"/>
           </a:p>
@@ -2304,7 +2303,7 @@
           <a:p>
             <a:fld id="{38B27D04-8BD5-C047-B9FF-9D6420E37D9D}" type="datetimeFigureOut">
               <a:rPr lang="en-US" smtClean="0"/>
-              <a:t>7/28/19</a:t>
+              <a:t>7/29/19</a:t>
             </a:fld>
             <a:endParaRPr lang="en-US"/>
           </a:p>
@@ -2556,7 +2555,7 @@
           <a:p>
             <a:fld id="{38B27D04-8BD5-C047-B9FF-9D6420E37D9D}" type="datetimeFigureOut">
               <a:rPr lang="en-US" smtClean="0"/>
-              <a:t>7/28/19</a:t>
+              <a:t>7/29/19</a:t>
             </a:fld>
             <a:endParaRPr lang="en-US"/>
           </a:p>
@@ -2845,7 +2844,7 @@
           <a:p>
             <a:fld id="{38B27D04-8BD5-C047-B9FF-9D6420E37D9D}" type="datetimeFigureOut">
               <a:rPr lang="en-US" smtClean="0"/>
-              <a:t>7/28/19</a:t>
+              <a:t>7/29/19</a:t>
             </a:fld>
             <a:endParaRPr lang="en-US"/>
           </a:p>
@@ -3077,7 +3076,7 @@
           <a:p>
             <a:fld id="{38B27D04-8BD5-C047-B9FF-9D6420E37D9D}" type="datetimeFigureOut">
               <a:rPr lang="en-US" smtClean="0"/>
-              <a:t>7/28/19</a:t>
+              <a:t>7/29/19</a:t>
             </a:fld>
             <a:endParaRPr lang="en-US"/>
           </a:p>
@@ -3444,7 +3443,7 @@
           <a:p>
             <a:fld id="{38B27D04-8BD5-C047-B9FF-9D6420E37D9D}" type="datetimeFigureOut">
               <a:rPr lang="en-US" smtClean="0"/>
-              <a:t>7/28/19</a:t>
+              <a:t>7/29/19</a:t>
             </a:fld>
             <a:endParaRPr lang="en-US"/>
           </a:p>
@@ -3562,7 +3561,7 @@
           <a:p>
             <a:fld id="{38B27D04-8BD5-C047-B9FF-9D6420E37D9D}" type="datetimeFigureOut">
               <a:rPr lang="en-US" smtClean="0"/>
-              <a:t>7/28/19</a:t>
+              <a:t>7/29/19</a:t>
             </a:fld>
             <a:endParaRPr lang="en-US"/>
           </a:p>
@@ -3657,7 +3656,7 @@
           <a:p>
             <a:fld id="{38B27D04-8BD5-C047-B9FF-9D6420E37D9D}" type="datetimeFigureOut">
               <a:rPr lang="en-US" smtClean="0"/>
-              <a:t>7/28/19</a:t>
+              <a:t>7/29/19</a:t>
             </a:fld>
             <a:endParaRPr lang="en-US"/>
           </a:p>
@@ -3877,7 +3876,7 @@
             <a:fld id="{38B27D04-8BD5-C047-B9FF-9D6420E37D9D}" type="datetimeFigureOut">
               <a:rPr lang="en-US" smtClean="0"/>
               <a:pPr/>
-              <a:t>7/28/19</a:t>
+              <a:t>7/29/19</a:t>
             </a:fld>
             <a:endParaRPr lang="en-US"/>
           </a:p>
@@ -6777,6 +6776,13 @@
   <p:clrMapOvr>
     <a:masterClrMapping/>
   </p:clrMapOvr>
+  <p:timing>
+    <p:tnLst>
+      <p:par>
+        <p:cTn id="1" dur="indefinite" restart="never" nodeType="tmRoot"/>
+      </p:par>
+    </p:tnLst>
+  </p:timing>
 </p:sld>
 </file>
 
@@ -13837,24 +13843,16 @@
           <a:lstStyle/>
           <a:p>
             <a:r>
-              <a:rPr lang="en-US" dirty="0" err="1" smtClean="0">
-                <a:latin typeface="Courier" charset="0"/>
-                <a:ea typeface="Courier" charset="0"/>
-                <a:cs typeface="Courier" charset="0"/>
-              </a:rPr>
-              <a:t>creating_session</a:t>
-            </a:r>
-            <a:r>
-              <a:rPr lang="en-US" dirty="0" smtClean="0">
-                <a:latin typeface="Courier" charset="0"/>
-                <a:ea typeface="Courier" charset="0"/>
-                <a:cs typeface="Courier" charset="0"/>
-              </a:rPr>
-              <a:t> </a:t>
-            </a:r>
-            <a:r>
-              <a:rPr lang="en-US" dirty="0" smtClean="0"/>
-              <a:t>method</a:t>
+              <a:rPr lang="en-US" smtClean="0">
+                <a:latin typeface="Courier" charset="0"/>
+                <a:ea typeface="Courier" charset="0"/>
+                <a:cs typeface="Courier" charset="0"/>
+              </a:rPr>
+              <a:t>player </a:t>
+            </a:r>
+            <a:r>
+              <a:rPr lang="en-US" smtClean="0"/>
+              <a:t>model</a:t>
             </a:r>
             <a:endParaRPr lang="en-US" dirty="0"/>
           </a:p>
@@ -13872,50 +13870,35 @@
         </p:nvSpPr>
         <p:spPr/>
         <p:txBody>
-          <a:bodyPr/>
-          <a:lstStyle/>
-          <a:p>
-            <a:r>
-              <a:rPr lang="en-US" b="1" dirty="0" err="1" smtClean="0">
+          <a:bodyPr>
+            <a:normAutofit fontScale="92500" lnSpcReduction="20000"/>
+          </a:bodyPr>
+          <a:lstStyle/>
+          <a:p>
+            <a:pPr>
+              <a:lnSpc>
+                <a:spcPct val="100000"/>
+              </a:lnSpc>
+            </a:pPr>
+            <a:r>
+              <a:rPr lang="en-US" b="1" u="sng" dirty="0">
                 <a:solidFill>
                   <a:srgbClr val="FF0000"/>
                 </a:solidFill>
-                <a:latin typeface="Courier" charset="0"/>
-                <a:ea typeface="Courier" charset="0"/>
-                <a:cs typeface="Courier" charset="0"/>
-              </a:rPr>
-              <a:t>Subsession</a:t>
-            </a:r>
-            <a:r>
-              <a:rPr lang="en-US" b="1" dirty="0" smtClean="0">
-                <a:solidFill>
-                  <a:srgbClr val="FF0000"/>
-                </a:solidFill>
-                <a:latin typeface="Courier" charset="0"/>
-                <a:ea typeface="Courier" charset="0"/>
-                <a:cs typeface="Courier" charset="0"/>
-              </a:rPr>
-              <a:t> </a:t>
-            </a:r>
-            <a:r>
-              <a:rPr lang="en-US" dirty="0" smtClean="0"/>
-              <a:t>model has a special method </a:t>
-            </a:r>
-            <a:r>
-              <a:rPr lang="en-US" b="1" dirty="0" err="1" smtClean="0">
-                <a:solidFill>
-                  <a:srgbClr val="FF0000"/>
-                </a:solidFill>
-                <a:latin typeface="Courier" charset="0"/>
-                <a:ea typeface="Courier" charset="0"/>
-                <a:cs typeface="Courier" charset="0"/>
-              </a:rPr>
-              <a:t>creating_session</a:t>
-            </a:r>
-            <a:endParaRPr lang="en-US" b="1" dirty="0">
-              <a:solidFill>
-                <a:srgbClr val="FF0000"/>
-              </a:solidFill>
+              </a:rPr>
+              <a:t>built-in attributes:</a:t>
+            </a:r>
+          </a:p>
+          <a:p>
+            <a:r>
+              <a:rPr lang="en-US" sz="2400" dirty="0" err="1" smtClean="0">
+                <a:latin typeface="Courier" charset="0"/>
+                <a:ea typeface="Courier" charset="0"/>
+                <a:cs typeface="Courier" charset="0"/>
+              </a:rPr>
+              <a:t>id_in_group</a:t>
+            </a:r>
+            <a:endParaRPr lang="en-US" sz="2400" dirty="0" smtClean="0">
               <a:latin typeface="Courier" charset="0"/>
               <a:ea typeface="Courier" charset="0"/>
               <a:cs typeface="Courier" charset="0"/>
@@ -13923,134 +13906,155 @@
           </a:p>
           <a:p>
             <a:r>
-              <a:rPr lang="en-US" dirty="0" smtClean="0"/>
-              <a:t>The code there will be executed just </a:t>
-            </a:r>
-            <a:r>
-              <a:rPr lang="en-US" b="1" dirty="0" smtClean="0"/>
-              <a:t>before </a:t>
-            </a:r>
-            <a:r>
-              <a:rPr lang="en-US" dirty="0" smtClean="0"/>
-              <a:t>the session starts.</a:t>
-            </a:r>
-          </a:p>
-          <a:p>
-            <a:pPr algn="ctr"/>
-            <a:r>
-              <a:rPr lang="en-US" cap="all" dirty="0" smtClean="0"/>
-              <a:t>It will be executed as many times as many rounds the game has.</a:t>
-            </a:r>
-          </a:p>
-          <a:p>
-            <a:r>
-              <a:rPr lang="en-US" dirty="0" smtClean="0"/>
-              <a:t>It is used for randomizing initial values and assign treatments</a:t>
-            </a:r>
-          </a:p>
-          <a:p>
-            <a:r>
-              <a:rPr lang="en-US" b="1" dirty="0" err="1">
-                <a:solidFill>
-                  <a:srgbClr val="FF0000"/>
-                </a:solidFill>
-                <a:latin typeface="Courier" charset="0"/>
-                <a:ea typeface="Courier" charset="0"/>
-                <a:cs typeface="Courier" charset="0"/>
-              </a:rPr>
-              <a:t>Subsession</a:t>
-            </a:r>
-            <a:r>
-              <a:rPr lang="en-US" b="1" dirty="0">
-                <a:solidFill>
-                  <a:srgbClr val="FF0000"/>
-                </a:solidFill>
-                <a:latin typeface="Courier" charset="0"/>
-                <a:ea typeface="Courier" charset="0"/>
-                <a:cs typeface="Courier" charset="0"/>
-              </a:rPr>
-              <a:t> </a:t>
-            </a:r>
-            <a:r>
-              <a:rPr lang="en-US" dirty="0"/>
-              <a:t>model </a:t>
-            </a:r>
-            <a:r>
-              <a:rPr lang="en-US" b="1" dirty="0" smtClean="0"/>
-              <a:t>also </a:t>
-            </a:r>
-            <a:r>
-              <a:rPr lang="en-US" dirty="0" smtClean="0"/>
-              <a:t>has two other methods:</a:t>
-            </a:r>
-          </a:p>
-          <a:p>
-            <a:pPr lvl="1"/>
-            <a:r>
-              <a:rPr lang="en-US" b="1" dirty="0" err="1" smtClean="0">
-                <a:solidFill>
-                  <a:srgbClr val="FF0000"/>
-                </a:solidFill>
-                <a:latin typeface="Courier" charset="0"/>
-                <a:ea typeface="Courier" charset="0"/>
-                <a:cs typeface="Courier" charset="0"/>
-              </a:rPr>
-              <a:t>get_players</a:t>
-            </a:r>
-            <a:r>
-              <a:rPr lang="en-US" b="1" dirty="0" smtClean="0">
-                <a:solidFill>
-                  <a:srgbClr val="FF0000"/>
-                </a:solidFill>
-                <a:latin typeface="Courier" charset="0"/>
-                <a:ea typeface="Courier" charset="0"/>
-                <a:cs typeface="Courier" charset="0"/>
-              </a:rPr>
-              <a:t>()</a:t>
-            </a:r>
-          </a:p>
-          <a:p>
-            <a:pPr lvl="1"/>
-            <a:r>
-              <a:rPr lang="en-US" b="1" dirty="0" err="1" smtClean="0">
-                <a:solidFill>
-                  <a:srgbClr val="FF0000"/>
-                </a:solidFill>
-                <a:latin typeface="Courier" charset="0"/>
-                <a:ea typeface="Courier" charset="0"/>
-                <a:cs typeface="Courier" charset="0"/>
-              </a:rPr>
-              <a:t>get_groups</a:t>
-            </a:r>
-            <a:r>
-              <a:rPr lang="en-US" b="1" dirty="0" smtClean="0">
-                <a:solidFill>
-                  <a:srgbClr val="FF0000"/>
-                </a:solidFill>
-                <a:latin typeface="Courier" charset="0"/>
-                <a:ea typeface="Courier" charset="0"/>
-                <a:cs typeface="Courier" charset="0"/>
-              </a:rPr>
-              <a:t>()</a:t>
-            </a:r>
-            <a:endParaRPr lang="en-US" b="1" dirty="0">
-              <a:solidFill>
-                <a:srgbClr val="FF0000"/>
-              </a:solidFill>
+              <a:rPr lang="en-US" sz="2400" dirty="0" err="1" smtClean="0">
+                <a:latin typeface="Courier" charset="0"/>
+                <a:ea typeface="Courier" charset="0"/>
+                <a:cs typeface="Courier" charset="0"/>
+              </a:rPr>
+              <a:t>id_in_subsession</a:t>
+            </a:r>
+            <a:endParaRPr lang="en-US" sz="2400" dirty="0" smtClean="0">
               <a:latin typeface="Courier" charset="0"/>
               <a:ea typeface="Courier" charset="0"/>
               <a:cs typeface="Courier" charset="0"/>
             </a:endParaRPr>
           </a:p>
           <a:p>
-            <a:endParaRPr lang="en-US" dirty="0"/>
+            <a:r>
+              <a:rPr lang="en-US" sz="2400" dirty="0" smtClean="0">
+                <a:latin typeface="Courier" charset="0"/>
+                <a:ea typeface="Courier" charset="0"/>
+                <a:cs typeface="Courier" charset="0"/>
+              </a:rPr>
+              <a:t>payoff</a:t>
+            </a:r>
+          </a:p>
+          <a:p>
+            <a:r>
+              <a:rPr lang="en-US" sz="2400" dirty="0" err="1" smtClean="0">
+                <a:latin typeface="Courier" charset="0"/>
+                <a:ea typeface="Courier" charset="0"/>
+                <a:cs typeface="Courier" charset="0"/>
+              </a:rPr>
+              <a:t>round_number</a:t>
+            </a:r>
+            <a:endParaRPr lang="en-US" sz="2400" dirty="0" smtClean="0">
+              <a:latin typeface="Courier" charset="0"/>
+              <a:ea typeface="Courier" charset="0"/>
+              <a:cs typeface="Courier" charset="0"/>
+            </a:endParaRPr>
+          </a:p>
+          <a:p>
+            <a:r>
+              <a:rPr lang="en-US" sz="2400" dirty="0" smtClean="0"/>
+              <a:t>DB referrals</a:t>
+            </a:r>
+            <a:r>
+              <a:rPr lang="en-US" sz="2400" dirty="0" smtClean="0">
+                <a:latin typeface="Courier" charset="0"/>
+                <a:ea typeface="Courier" charset="0"/>
+                <a:cs typeface="Courier" charset="0"/>
+              </a:rPr>
+              <a:t>: participant, group, </a:t>
+            </a:r>
+            <a:r>
+              <a:rPr lang="en-US" sz="2400" dirty="0" err="1" smtClean="0">
+                <a:latin typeface="Courier" charset="0"/>
+                <a:ea typeface="Courier" charset="0"/>
+                <a:cs typeface="Courier" charset="0"/>
+              </a:rPr>
+              <a:t>subsession</a:t>
+            </a:r>
+            <a:r>
+              <a:rPr lang="en-US" sz="2400" dirty="0" smtClean="0">
+                <a:latin typeface="Courier" charset="0"/>
+                <a:ea typeface="Courier" charset="0"/>
+                <a:cs typeface="Courier" charset="0"/>
+              </a:rPr>
+              <a:t>, session</a:t>
+            </a:r>
+          </a:p>
+          <a:p>
+            <a:endParaRPr lang="en-US" sz="2400" dirty="0">
+              <a:latin typeface="Courier" charset="0"/>
+              <a:ea typeface="Courier" charset="0"/>
+              <a:cs typeface="Courier" charset="0"/>
+            </a:endParaRPr>
+          </a:p>
+          <a:p>
+            <a:r>
+              <a:rPr lang="en-US" b="1" u="sng" dirty="0">
+                <a:solidFill>
+                  <a:srgbClr val="FF0000"/>
+                </a:solidFill>
+              </a:rPr>
+              <a:t>built-in </a:t>
+            </a:r>
+            <a:r>
+              <a:rPr lang="en-US" b="1" u="sng" dirty="0" smtClean="0">
+                <a:solidFill>
+                  <a:srgbClr val="FF0000"/>
+                </a:solidFill>
+              </a:rPr>
+              <a:t>methods:</a:t>
+            </a:r>
+          </a:p>
+          <a:p>
+            <a:r>
+              <a:rPr lang="en-US" sz="2400" dirty="0" err="1" smtClean="0"/>
+              <a:t>get_others_in_group</a:t>
+            </a:r>
+            <a:r>
+              <a:rPr lang="en-US" sz="2400" dirty="0" smtClean="0"/>
+              <a:t>()</a:t>
+            </a:r>
+          </a:p>
+          <a:p>
+            <a:r>
+              <a:rPr lang="en-US" sz="2400" dirty="0" err="1" smtClean="0"/>
+              <a:t>get_others_in_subsession</a:t>
+            </a:r>
+            <a:r>
+              <a:rPr lang="en-US" sz="2400" dirty="0" smtClean="0"/>
+              <a:t>()</a:t>
+            </a:r>
+          </a:p>
+          <a:p>
+            <a:r>
+              <a:rPr lang="en-US" sz="2400" dirty="0" err="1" smtClean="0"/>
+              <a:t>in_round</a:t>
+            </a:r>
+            <a:r>
+              <a:rPr lang="en-US" sz="2400" dirty="0" smtClean="0"/>
+              <a:t>, </a:t>
+            </a:r>
+            <a:r>
+              <a:rPr lang="en-US" sz="2400" dirty="0" err="1" smtClean="0"/>
+              <a:t>in_previous_rounds</a:t>
+            </a:r>
+            <a:r>
+              <a:rPr lang="en-US" sz="2400" dirty="0" smtClean="0"/>
+              <a:t>, </a:t>
+            </a:r>
+            <a:r>
+              <a:rPr lang="en-US" sz="2400" dirty="0" err="1" smtClean="0"/>
+              <a:t>in_all_rounds</a:t>
+            </a:r>
+            <a:endParaRPr lang="en-US" sz="2400" dirty="0"/>
+          </a:p>
+          <a:p>
+            <a:endParaRPr lang="en-US" sz="2400" dirty="0">
+              <a:latin typeface="Courier" charset="0"/>
+              <a:ea typeface="Courier" charset="0"/>
+              <a:cs typeface="Courier" charset="0"/>
+            </a:endParaRPr>
           </a:p>
         </p:txBody>
       </p:sp>
     </p:spTree>
     <p:extLst>
       <p:ext uri="{BB962C8B-B14F-4D97-AF65-F5344CB8AC3E}">
-        <p14:creationId xmlns:p14="http://schemas.microsoft.com/office/powerpoint/2010/main" val="391590429"/>
+        <p14:creationId xmlns:p14="http://schemas.microsoft.com/office/powerpoint/2010/main" val="275114439"/>
       </p:ext>
     </p:extLst>
   </p:cSld>
@@ -14100,24 +14104,16 @@
           <a:lstStyle/>
           <a:p>
             <a:r>
-              <a:rPr lang="en-US" dirty="0" err="1" smtClean="0">
-                <a:latin typeface="Courier" charset="0"/>
-                <a:ea typeface="Courier" charset="0"/>
-                <a:cs typeface="Courier" charset="0"/>
-              </a:rPr>
-              <a:t>creating_session</a:t>
-            </a:r>
-            <a:r>
               <a:rPr lang="en-US" dirty="0" smtClean="0">
                 <a:latin typeface="Courier" charset="0"/>
                 <a:ea typeface="Courier" charset="0"/>
                 <a:cs typeface="Courier" charset="0"/>
               </a:rPr>
-              <a:t> </a:t>
+              <a:t>Group </a:t>
             </a:r>
             <a:r>
               <a:rPr lang="en-US" dirty="0" smtClean="0"/>
-              <a:t>method</a:t>
+              <a:t>model</a:t>
             </a:r>
             <a:endParaRPr lang="en-US" dirty="0"/>
           </a:p>
@@ -14136,400 +14132,249 @@
         <p:spPr/>
         <p:txBody>
           <a:bodyPr>
-            <a:normAutofit fontScale="92500" lnSpcReduction="10000"/>
+            <a:normAutofit fontScale="92500" lnSpcReduction="20000"/>
           </a:bodyPr>
           <a:lstStyle/>
           <a:p>
-            <a:r>
-              <a:rPr lang="en-US" dirty="0" smtClean="0"/>
-              <a:t>The following code will randomize total investment per group and contribution per individual player:</a:t>
-            </a:r>
-          </a:p>
-          <a:p>
-            <a:endParaRPr lang="en-US" dirty="0" smtClean="0"/>
-          </a:p>
-          <a:p>
-            <a:pPr marL="0" indent="0">
-              <a:buNone/>
+            <a:pPr>
+              <a:lnSpc>
+                <a:spcPct val="100000"/>
+              </a:lnSpc>
             </a:pPr>
             <a:r>
-              <a:rPr lang="en-US" sz="2400" b="1" dirty="0">
-                <a:latin typeface="Courier" charset="0"/>
-                <a:ea typeface="Courier" charset="0"/>
-                <a:cs typeface="Courier" charset="0"/>
-              </a:rPr>
-              <a:t>import </a:t>
-            </a:r>
-            <a:r>
-              <a:rPr lang="en-US" sz="2400" dirty="0">
-                <a:latin typeface="Courier" charset="0"/>
-                <a:ea typeface="Courier" charset="0"/>
-                <a:cs typeface="Courier" charset="0"/>
-              </a:rPr>
-              <a:t>random</a:t>
-            </a:r>
-            <a:br>
-              <a:rPr lang="en-US" sz="2400" dirty="0">
-                <a:latin typeface="Courier" charset="0"/>
-                <a:ea typeface="Courier" charset="0"/>
-                <a:cs typeface="Courier" charset="0"/>
-              </a:rPr>
-            </a:br>
-            <a:r>
-              <a:rPr lang="en-US" sz="2400" dirty="0">
-                <a:latin typeface="Courier" charset="0"/>
-                <a:ea typeface="Courier" charset="0"/>
-                <a:cs typeface="Courier" charset="0"/>
-              </a:rPr>
-              <a:t/>
-            </a:r>
-            <a:br>
-              <a:rPr lang="en-US" sz="2400" dirty="0">
-                <a:latin typeface="Courier" charset="0"/>
-                <a:ea typeface="Courier" charset="0"/>
-                <a:cs typeface="Courier" charset="0"/>
-              </a:rPr>
-            </a:br>
-            <a:r>
-              <a:rPr lang="en-US" sz="2400" dirty="0">
-                <a:latin typeface="Courier" charset="0"/>
-                <a:ea typeface="Courier" charset="0"/>
-                <a:cs typeface="Courier" charset="0"/>
-              </a:rPr>
-              <a:t/>
-            </a:r>
-            <a:br>
-              <a:rPr lang="en-US" sz="2400" dirty="0">
-                <a:latin typeface="Courier" charset="0"/>
-                <a:ea typeface="Courier" charset="0"/>
-                <a:cs typeface="Courier" charset="0"/>
-              </a:rPr>
-            </a:br>
-            <a:r>
-              <a:rPr lang="en-US" sz="2400" b="1" dirty="0">
-                <a:latin typeface="Courier" charset="0"/>
-                <a:ea typeface="Courier" charset="0"/>
-                <a:cs typeface="Courier" charset="0"/>
-              </a:rPr>
-              <a:t>class </a:t>
-            </a:r>
-            <a:r>
-              <a:rPr lang="en-US" sz="2400" dirty="0" err="1">
-                <a:latin typeface="Courier" charset="0"/>
-                <a:ea typeface="Courier" charset="0"/>
-                <a:cs typeface="Courier" charset="0"/>
-              </a:rPr>
-              <a:t>Subsession</a:t>
-            </a:r>
-            <a:r>
-              <a:rPr lang="en-US" sz="2400" dirty="0">
-                <a:latin typeface="Courier" charset="0"/>
-                <a:ea typeface="Courier" charset="0"/>
-                <a:cs typeface="Courier" charset="0"/>
-              </a:rPr>
-              <a:t>(</a:t>
-            </a:r>
-            <a:r>
-              <a:rPr lang="en-US" sz="2400" dirty="0" err="1">
-                <a:latin typeface="Courier" charset="0"/>
-                <a:ea typeface="Courier" charset="0"/>
-                <a:cs typeface="Courier" charset="0"/>
-              </a:rPr>
-              <a:t>BaseSubsession</a:t>
-            </a:r>
-            <a:r>
-              <a:rPr lang="en-US" sz="2400" dirty="0">
-                <a:latin typeface="Courier" charset="0"/>
-                <a:ea typeface="Courier" charset="0"/>
-                <a:cs typeface="Courier" charset="0"/>
-              </a:rPr>
-              <a:t>):</a:t>
-            </a:r>
-            <a:br>
-              <a:rPr lang="en-US" sz="2400" dirty="0">
-                <a:latin typeface="Courier" charset="0"/>
-                <a:ea typeface="Courier" charset="0"/>
-                <a:cs typeface="Courier" charset="0"/>
-              </a:rPr>
-            </a:br>
-            <a:r>
-              <a:rPr lang="en-US" sz="2400" dirty="0">
-                <a:latin typeface="Courier" charset="0"/>
-                <a:ea typeface="Courier" charset="0"/>
-                <a:cs typeface="Courier" charset="0"/>
-              </a:rPr>
-              <a:t>    </a:t>
-            </a:r>
-            <a:r>
-              <a:rPr lang="en-US" sz="2400" b="1" dirty="0" err="1">
-                <a:latin typeface="Courier" charset="0"/>
-                <a:ea typeface="Courier" charset="0"/>
-                <a:cs typeface="Courier" charset="0"/>
-              </a:rPr>
-              <a:t>def</a:t>
-            </a:r>
-            <a:r>
-              <a:rPr lang="en-US" sz="2400" b="1" dirty="0">
-                <a:latin typeface="Courier" charset="0"/>
-                <a:ea typeface="Courier" charset="0"/>
-                <a:cs typeface="Courier" charset="0"/>
-              </a:rPr>
-              <a:t> </a:t>
-            </a:r>
-            <a:r>
-              <a:rPr lang="en-US" sz="2400" dirty="0" err="1">
-                <a:latin typeface="Courier" charset="0"/>
-                <a:ea typeface="Courier" charset="0"/>
-                <a:cs typeface="Courier" charset="0"/>
-              </a:rPr>
-              <a:t>creating_session</a:t>
-            </a:r>
-            <a:r>
-              <a:rPr lang="en-US" sz="2400" dirty="0">
-                <a:latin typeface="Courier" charset="0"/>
-                <a:ea typeface="Courier" charset="0"/>
-                <a:cs typeface="Courier" charset="0"/>
-              </a:rPr>
-              <a:t>(self):</a:t>
-            </a:r>
-            <a:br>
-              <a:rPr lang="en-US" sz="2400" dirty="0">
-                <a:latin typeface="Courier" charset="0"/>
-                <a:ea typeface="Courier" charset="0"/>
-                <a:cs typeface="Courier" charset="0"/>
-              </a:rPr>
-            </a:br>
-            <a:r>
-              <a:rPr lang="en-US" sz="2400" dirty="0">
-                <a:latin typeface="Courier" charset="0"/>
-                <a:ea typeface="Courier" charset="0"/>
-                <a:cs typeface="Courier" charset="0"/>
-              </a:rPr>
-              <a:t>        </a:t>
-            </a:r>
-            <a:r>
-              <a:rPr lang="en-US" sz="2400" b="1" dirty="0">
-                <a:latin typeface="Courier" charset="0"/>
-                <a:ea typeface="Courier" charset="0"/>
-                <a:cs typeface="Courier" charset="0"/>
-              </a:rPr>
-              <a:t>for </a:t>
-            </a:r>
-            <a:r>
-              <a:rPr lang="en-US" sz="2400" dirty="0">
-                <a:latin typeface="Courier" charset="0"/>
-                <a:ea typeface="Courier" charset="0"/>
-                <a:cs typeface="Courier" charset="0"/>
-              </a:rPr>
-              <a:t>g </a:t>
-            </a:r>
-            <a:r>
-              <a:rPr lang="en-US" sz="2400" b="1" dirty="0">
-                <a:latin typeface="Courier" charset="0"/>
-                <a:ea typeface="Courier" charset="0"/>
-                <a:cs typeface="Courier" charset="0"/>
-              </a:rPr>
-              <a:t>in </a:t>
-            </a:r>
-            <a:r>
-              <a:rPr lang="en-US" sz="2400" dirty="0" err="1">
-                <a:latin typeface="Courier" charset="0"/>
-                <a:ea typeface="Courier" charset="0"/>
-                <a:cs typeface="Courier" charset="0"/>
-              </a:rPr>
-              <a:t>self.get_groups</a:t>
-            </a:r>
-            <a:r>
-              <a:rPr lang="en-US" sz="2400" dirty="0">
-                <a:latin typeface="Courier" charset="0"/>
-                <a:ea typeface="Courier" charset="0"/>
-                <a:cs typeface="Courier" charset="0"/>
-              </a:rPr>
-              <a:t>():</a:t>
-            </a:r>
-            <a:br>
-              <a:rPr lang="en-US" sz="2400" dirty="0">
-                <a:latin typeface="Courier" charset="0"/>
-                <a:ea typeface="Courier" charset="0"/>
-                <a:cs typeface="Courier" charset="0"/>
-              </a:rPr>
-            </a:br>
-            <a:r>
-              <a:rPr lang="en-US" sz="2400" dirty="0">
-                <a:latin typeface="Courier" charset="0"/>
-                <a:ea typeface="Courier" charset="0"/>
-                <a:cs typeface="Courier" charset="0"/>
-              </a:rPr>
-              <a:t>            </a:t>
-            </a:r>
-            <a:r>
-              <a:rPr lang="en-US" sz="2400" dirty="0" err="1">
-                <a:latin typeface="Courier" charset="0"/>
-                <a:ea typeface="Courier" charset="0"/>
-                <a:cs typeface="Courier" charset="0"/>
-              </a:rPr>
-              <a:t>g.total_investment</a:t>
-            </a:r>
-            <a:r>
-              <a:rPr lang="en-US" sz="2400" dirty="0">
-                <a:latin typeface="Courier" charset="0"/>
-                <a:ea typeface="Courier" charset="0"/>
-                <a:cs typeface="Courier" charset="0"/>
-              </a:rPr>
-              <a:t> = </a:t>
-            </a:r>
-            <a:r>
-              <a:rPr lang="en-US" sz="2400" dirty="0" err="1">
-                <a:latin typeface="Courier" charset="0"/>
-                <a:ea typeface="Courier" charset="0"/>
-                <a:cs typeface="Courier" charset="0"/>
-              </a:rPr>
-              <a:t>random.randint</a:t>
-            </a:r>
-            <a:r>
-              <a:rPr lang="en-US" sz="2400" dirty="0">
-                <a:latin typeface="Courier" charset="0"/>
-                <a:ea typeface="Courier" charset="0"/>
-                <a:cs typeface="Courier" charset="0"/>
-              </a:rPr>
-              <a:t>(0, 100)</a:t>
-            </a:r>
-            <a:br>
-              <a:rPr lang="en-US" sz="2400" dirty="0">
-                <a:latin typeface="Courier" charset="0"/>
-                <a:ea typeface="Courier" charset="0"/>
-                <a:cs typeface="Courier" charset="0"/>
-              </a:rPr>
-            </a:br>
-            <a:r>
-              <a:rPr lang="en-US" sz="2400" dirty="0">
-                <a:latin typeface="Courier" charset="0"/>
-                <a:ea typeface="Courier" charset="0"/>
-                <a:cs typeface="Courier" charset="0"/>
-              </a:rPr>
-              <a:t>        </a:t>
-            </a:r>
-            <a:r>
-              <a:rPr lang="en-US" sz="2400" b="1" dirty="0">
-                <a:latin typeface="Courier" charset="0"/>
-                <a:ea typeface="Courier" charset="0"/>
-                <a:cs typeface="Courier" charset="0"/>
-              </a:rPr>
-              <a:t>for </a:t>
-            </a:r>
-            <a:r>
-              <a:rPr lang="en-US" sz="2400" dirty="0">
-                <a:latin typeface="Courier" charset="0"/>
-                <a:ea typeface="Courier" charset="0"/>
-                <a:cs typeface="Courier" charset="0"/>
-              </a:rPr>
-              <a:t>p </a:t>
-            </a:r>
-            <a:r>
-              <a:rPr lang="en-US" sz="2400" b="1" dirty="0">
-                <a:latin typeface="Courier" charset="0"/>
-                <a:ea typeface="Courier" charset="0"/>
-                <a:cs typeface="Courier" charset="0"/>
-              </a:rPr>
-              <a:t>in </a:t>
-            </a:r>
-            <a:r>
-              <a:rPr lang="en-US" sz="2400" dirty="0" err="1">
-                <a:latin typeface="Courier" charset="0"/>
-                <a:ea typeface="Courier" charset="0"/>
-                <a:cs typeface="Courier" charset="0"/>
-              </a:rPr>
-              <a:t>self.get_players</a:t>
-            </a:r>
-            <a:r>
-              <a:rPr lang="en-US" sz="2400" dirty="0">
-                <a:latin typeface="Courier" charset="0"/>
-                <a:ea typeface="Courier" charset="0"/>
-                <a:cs typeface="Courier" charset="0"/>
-              </a:rPr>
-              <a:t>():</a:t>
-            </a:r>
-            <a:br>
-              <a:rPr lang="en-US" sz="2400" dirty="0">
-                <a:latin typeface="Courier" charset="0"/>
-                <a:ea typeface="Courier" charset="0"/>
-                <a:cs typeface="Courier" charset="0"/>
-              </a:rPr>
-            </a:br>
-            <a:r>
-              <a:rPr lang="en-US" sz="2400" dirty="0">
-                <a:latin typeface="Courier" charset="0"/>
-                <a:ea typeface="Courier" charset="0"/>
-                <a:cs typeface="Courier" charset="0"/>
-              </a:rPr>
-              <a:t>            </a:t>
-            </a:r>
-            <a:r>
-              <a:rPr lang="en-US" sz="2400" dirty="0" err="1">
-                <a:latin typeface="Courier" charset="0"/>
-                <a:ea typeface="Courier" charset="0"/>
-                <a:cs typeface="Courier" charset="0"/>
-              </a:rPr>
-              <a:t>p.contribution</a:t>
-            </a:r>
-            <a:r>
-              <a:rPr lang="en-US" sz="2400" dirty="0">
-                <a:latin typeface="Courier" charset="0"/>
-                <a:ea typeface="Courier" charset="0"/>
-                <a:cs typeface="Courier" charset="0"/>
-              </a:rPr>
-              <a:t> = </a:t>
-            </a:r>
-            <a:r>
-              <a:rPr lang="en-US" sz="2400" dirty="0" err="1">
-                <a:latin typeface="Courier" charset="0"/>
-                <a:ea typeface="Courier" charset="0"/>
-                <a:cs typeface="Courier" charset="0"/>
-              </a:rPr>
-              <a:t>random.randint</a:t>
-            </a:r>
-            <a:r>
-              <a:rPr lang="en-US" sz="2400" dirty="0">
-                <a:latin typeface="Courier" charset="0"/>
-                <a:ea typeface="Courier" charset="0"/>
-                <a:cs typeface="Courier" charset="0"/>
-              </a:rPr>
-              <a:t>(0, 10)</a:t>
-            </a:r>
-            <a:br>
-              <a:rPr lang="en-US" sz="2400" dirty="0">
-                <a:latin typeface="Courier" charset="0"/>
-                <a:ea typeface="Courier" charset="0"/>
-                <a:cs typeface="Courier" charset="0"/>
-              </a:rPr>
-            </a:br>
-            <a:r>
-              <a:rPr lang="en-US" sz="2400" dirty="0">
-                <a:latin typeface="Courier" charset="0"/>
-                <a:ea typeface="Courier" charset="0"/>
-                <a:cs typeface="Courier" charset="0"/>
-              </a:rPr>
-              <a:t/>
-            </a:r>
-            <a:br>
-              <a:rPr lang="en-US" sz="2400" dirty="0">
-                <a:latin typeface="Courier" charset="0"/>
-                <a:ea typeface="Courier" charset="0"/>
-                <a:cs typeface="Courier" charset="0"/>
-              </a:rPr>
-            </a:br>
+              <a:rPr lang="en-US" b="1" u="sng" dirty="0">
+                <a:solidFill>
+                  <a:srgbClr val="FF0000"/>
+                </a:solidFill>
+              </a:rPr>
+              <a:t>built-in attributes:</a:t>
+            </a:r>
+          </a:p>
+          <a:p>
+            <a:r>
+              <a:rPr lang="en-US" sz="2400" dirty="0" err="1" smtClean="0">
+                <a:latin typeface="Courier" charset="0"/>
+                <a:ea typeface="Courier" charset="0"/>
+                <a:cs typeface="Courier" charset="0"/>
+              </a:rPr>
+              <a:t>id_in_subsession</a:t>
+            </a:r>
+            <a:endParaRPr lang="en-US" sz="2400" dirty="0" smtClean="0">
+              <a:latin typeface="Courier" charset="0"/>
+              <a:ea typeface="Courier" charset="0"/>
+              <a:cs typeface="Courier" charset="0"/>
+            </a:endParaRPr>
+          </a:p>
+          <a:p>
+            <a:r>
+              <a:rPr lang="en-US" sz="2400" dirty="0" err="1" smtClean="0">
+                <a:latin typeface="Courier" charset="0"/>
+                <a:ea typeface="Courier" charset="0"/>
+                <a:cs typeface="Courier" charset="0"/>
+              </a:rPr>
+              <a:t>round_number</a:t>
+            </a:r>
+            <a:endParaRPr lang="en-US" sz="2400" dirty="0" smtClean="0">
+              <a:latin typeface="Courier" charset="0"/>
+              <a:ea typeface="Courier" charset="0"/>
+              <a:cs typeface="Courier" charset="0"/>
+            </a:endParaRPr>
+          </a:p>
+          <a:p>
+            <a:r>
+              <a:rPr lang="en-US" sz="2400" dirty="0" smtClean="0"/>
+              <a:t>DB referrals</a:t>
+            </a:r>
+            <a:r>
+              <a:rPr lang="en-US" sz="2400" dirty="0" smtClean="0">
+                <a:latin typeface="Courier" charset="0"/>
+                <a:ea typeface="Courier" charset="0"/>
+                <a:cs typeface="Courier" charset="0"/>
+              </a:rPr>
+              <a:t>: </a:t>
+            </a:r>
+            <a:r>
+              <a:rPr lang="en-US" sz="2400" dirty="0" err="1" smtClean="0">
+                <a:latin typeface="Courier" charset="0"/>
+                <a:ea typeface="Courier" charset="0"/>
+                <a:cs typeface="Courier" charset="0"/>
+              </a:rPr>
+              <a:t>subsession</a:t>
+            </a:r>
+            <a:r>
+              <a:rPr lang="en-US" sz="2400" dirty="0" smtClean="0">
+                <a:latin typeface="Courier" charset="0"/>
+                <a:ea typeface="Courier" charset="0"/>
+                <a:cs typeface="Courier" charset="0"/>
+              </a:rPr>
+              <a:t>, session</a:t>
+            </a:r>
+          </a:p>
+          <a:p>
             <a:endParaRPr lang="en-US" sz="2400" dirty="0">
               <a:latin typeface="Courier" charset="0"/>
               <a:ea typeface="Courier" charset="0"/>
               <a:cs typeface="Courier" charset="0"/>
             </a:endParaRPr>
           </a:p>
+          <a:p>
+            <a:r>
+              <a:rPr lang="en-US" b="1" u="sng" dirty="0">
+                <a:solidFill>
+                  <a:srgbClr val="FF0000"/>
+                </a:solidFill>
+              </a:rPr>
+              <a:t>built-in </a:t>
+            </a:r>
+            <a:r>
+              <a:rPr lang="en-US" b="1" u="sng" dirty="0" smtClean="0">
+                <a:solidFill>
+                  <a:srgbClr val="FF0000"/>
+                </a:solidFill>
+              </a:rPr>
+              <a:t>methods:</a:t>
+            </a:r>
+          </a:p>
+          <a:p>
+            <a:r>
+              <a:rPr lang="en-US" sz="2400" dirty="0" err="1" smtClean="0">
+                <a:latin typeface="Courier" charset="0"/>
+                <a:ea typeface="Courier" charset="0"/>
+                <a:cs typeface="Courier" charset="0"/>
+              </a:rPr>
+              <a:t>get_players</a:t>
+            </a:r>
+            <a:r>
+              <a:rPr lang="en-US" sz="2400" dirty="0" smtClean="0">
+                <a:latin typeface="Courier" charset="0"/>
+                <a:ea typeface="Courier" charset="0"/>
+                <a:cs typeface="Courier" charset="0"/>
+              </a:rPr>
+              <a:t>()</a:t>
+            </a:r>
+          </a:p>
+          <a:p>
+            <a:r>
+              <a:rPr lang="en-US" sz="2400" dirty="0" err="1" smtClean="0">
+                <a:latin typeface="Courier" charset="0"/>
+                <a:ea typeface="Courier" charset="0"/>
+                <a:cs typeface="Courier" charset="0"/>
+              </a:rPr>
+              <a:t>set_players</a:t>
+            </a:r>
+            <a:r>
+              <a:rPr lang="en-US" sz="2400" dirty="0" smtClean="0">
+                <a:latin typeface="Courier" charset="0"/>
+                <a:ea typeface="Courier" charset="0"/>
+                <a:cs typeface="Courier" charset="0"/>
+              </a:rPr>
+              <a:t>()</a:t>
+            </a:r>
+          </a:p>
+          <a:p>
+            <a:r>
+              <a:rPr lang="en-US" sz="2400" dirty="0" err="1" smtClean="0">
+                <a:latin typeface="Courier" charset="0"/>
+                <a:ea typeface="Courier" charset="0"/>
+                <a:cs typeface="Courier" charset="0"/>
+              </a:rPr>
+              <a:t>get_player_by_id</a:t>
+            </a:r>
+            <a:r>
+              <a:rPr lang="en-US" sz="2400" dirty="0" smtClean="0">
+                <a:latin typeface="Courier" charset="0"/>
+                <a:ea typeface="Courier" charset="0"/>
+                <a:cs typeface="Courier" charset="0"/>
+              </a:rPr>
+              <a:t>(ID)</a:t>
+            </a:r>
+          </a:p>
+          <a:p>
+            <a:r>
+              <a:rPr lang="en-US" sz="2400" dirty="0" err="1" smtClean="0">
+                <a:latin typeface="Courier" charset="0"/>
+                <a:ea typeface="Courier" charset="0"/>
+                <a:cs typeface="Courier" charset="0"/>
+              </a:rPr>
+              <a:t>get_player_by_role</a:t>
+            </a:r>
+            <a:r>
+              <a:rPr lang="en-US" sz="2400" dirty="0" smtClean="0">
+                <a:latin typeface="Courier" charset="0"/>
+                <a:ea typeface="Courier" charset="0"/>
+                <a:cs typeface="Courier" charset="0"/>
+              </a:rPr>
+              <a:t>(ROLE</a:t>
+            </a:r>
+            <a:r>
+              <a:rPr lang="en-US" sz="2400" dirty="0" smtClean="0">
+                <a:latin typeface="Courier" charset="0"/>
+                <a:ea typeface="Courier" charset="0"/>
+                <a:cs typeface="Courier" charset="0"/>
+              </a:rPr>
+              <a:t>)</a:t>
+            </a:r>
+          </a:p>
+          <a:p>
+            <a:r>
+              <a:rPr lang="en-US" sz="2400" dirty="0" err="1" smtClean="0">
+                <a:latin typeface="Courier" charset="0"/>
+                <a:ea typeface="Courier" charset="0"/>
+                <a:cs typeface="Courier" charset="0"/>
+              </a:rPr>
+              <a:t>in_round</a:t>
+            </a:r>
+            <a:r>
+              <a:rPr lang="en-US" sz="2400" dirty="0">
+                <a:latin typeface="Courier" charset="0"/>
+                <a:ea typeface="Courier" charset="0"/>
+                <a:cs typeface="Courier" charset="0"/>
+              </a:rPr>
+              <a:t>, </a:t>
+            </a:r>
+            <a:r>
+              <a:rPr lang="en-US" sz="2400" dirty="0" err="1">
+                <a:latin typeface="Courier" charset="0"/>
+                <a:ea typeface="Courier" charset="0"/>
+                <a:cs typeface="Courier" charset="0"/>
+              </a:rPr>
+              <a:t>in_previous_rounds</a:t>
+            </a:r>
+            <a:r>
+              <a:rPr lang="en-US" sz="2400" dirty="0">
+                <a:latin typeface="Courier" charset="0"/>
+                <a:ea typeface="Courier" charset="0"/>
+                <a:cs typeface="Courier" charset="0"/>
+              </a:rPr>
+              <a:t>, </a:t>
+            </a:r>
+            <a:r>
+              <a:rPr lang="en-US" sz="2400" dirty="0" err="1">
+                <a:latin typeface="Courier" charset="0"/>
+                <a:ea typeface="Courier" charset="0"/>
+                <a:cs typeface="Courier" charset="0"/>
+              </a:rPr>
+              <a:t>in_all_rounds</a:t>
+            </a:r>
+            <a:endParaRPr lang="en-US" sz="2400" dirty="0">
+              <a:latin typeface="Courier" charset="0"/>
+              <a:ea typeface="Courier" charset="0"/>
+              <a:cs typeface="Courier" charset="0"/>
+            </a:endParaRPr>
+          </a:p>
+          <a:p>
+            <a:endParaRPr lang="en-US" sz="2400" dirty="0">
+              <a:latin typeface="Courier" charset="0"/>
+              <a:ea typeface="Courier" charset="0"/>
+              <a:cs typeface="Courier" charset="0"/>
+            </a:endParaRPr>
+          </a:p>
         </p:txBody>
       </p:sp>
     </p:spTree>
     <p:extLst>
       <p:ext uri="{BB962C8B-B14F-4D97-AF65-F5344CB8AC3E}">
-        <p14:creationId xmlns:p14="http://schemas.microsoft.com/office/powerpoint/2010/main" val="2026157052"/>
+        <p14:creationId xmlns:p14="http://schemas.microsoft.com/office/powerpoint/2010/main" val="688542403"/>
       </p:ext>
     </p:extLst>
   </p:cSld>
@@ -14718,7 +14563,7 @@
                 <a:ea typeface="Courier" charset="0"/>
                 <a:cs typeface="Courier" charset="0"/>
               </a:rPr>
-              <a:t>creating_session</a:t>
+              <a:t>Subsession</a:t>
             </a:r>
             <a:r>
               <a:rPr lang="en-US" dirty="0" smtClean="0">
@@ -14730,7 +14575,7 @@
             </a:r>
             <a:r>
               <a:rPr lang="en-US" dirty="0" smtClean="0"/>
-              <a:t>method</a:t>
+              <a:t>model</a:t>
             </a:r>
             <a:endParaRPr lang="en-US" dirty="0"/>
           </a:p>
@@ -14749,91 +14594,274 @@
         <p:spPr/>
         <p:txBody>
           <a:bodyPr>
-            <a:normAutofit/>
+            <a:normAutofit fontScale="77500" lnSpcReduction="20000"/>
           </a:bodyPr>
           <a:lstStyle/>
           <a:p>
-            <a:r>
-              <a:rPr lang="en-US" dirty="0" smtClean="0"/>
-              <a:t>The following code will randomize total investment per group and contribution per individual player:</a:t>
-            </a:r>
-          </a:p>
-          <a:p>
-            <a:r>
-              <a:rPr lang="en-US" dirty="0" smtClean="0"/>
-              <a:t>Result:</a:t>
-            </a:r>
-          </a:p>
-          <a:p>
-            <a:pPr marL="0" indent="0">
-              <a:buNone/>
+            <a:pPr>
+              <a:lnSpc>
+                <a:spcPct val="100000"/>
+              </a:lnSpc>
             </a:pPr>
             <a:r>
-              <a:rPr lang="en-US" sz="2400" dirty="0">
-                <a:latin typeface="Courier" charset="0"/>
-                <a:ea typeface="Courier" charset="0"/>
-                <a:cs typeface="Courier" charset="0"/>
-              </a:rPr>
-              <a:t/>
-            </a:r>
-            <a:br>
-              <a:rPr lang="en-US" sz="2400" dirty="0">
-                <a:latin typeface="Courier" charset="0"/>
-                <a:ea typeface="Courier" charset="0"/>
-                <a:cs typeface="Courier" charset="0"/>
-              </a:rPr>
-            </a:br>
-            <a:r>
-              <a:rPr lang="en-US" sz="2400" dirty="0">
-                <a:latin typeface="Courier" charset="0"/>
-                <a:ea typeface="Courier" charset="0"/>
-                <a:cs typeface="Courier" charset="0"/>
-              </a:rPr>
-              <a:t/>
-            </a:r>
-            <a:br>
-              <a:rPr lang="en-US" sz="2400" dirty="0">
-                <a:latin typeface="Courier" charset="0"/>
-                <a:ea typeface="Courier" charset="0"/>
-                <a:cs typeface="Courier" charset="0"/>
-              </a:rPr>
-            </a:br>
+              <a:rPr lang="en-US" b="1" u="sng" dirty="0">
+                <a:solidFill>
+                  <a:srgbClr val="FF0000"/>
+                </a:solidFill>
+              </a:rPr>
+              <a:t>built-in attributes:</a:t>
+            </a:r>
+          </a:p>
+          <a:p>
+            <a:r>
+              <a:rPr lang="en-US" sz="2400" dirty="0" err="1" smtClean="0">
+                <a:latin typeface="Courier" charset="0"/>
+                <a:ea typeface="Courier" charset="0"/>
+                <a:cs typeface="Courier" charset="0"/>
+              </a:rPr>
+              <a:t>id_in_subsession</a:t>
+            </a:r>
+            <a:endParaRPr lang="en-US" sz="2400" dirty="0" smtClean="0">
+              <a:latin typeface="Courier" charset="0"/>
+              <a:ea typeface="Courier" charset="0"/>
+              <a:cs typeface="Courier" charset="0"/>
+            </a:endParaRPr>
+          </a:p>
+          <a:p>
+            <a:r>
+              <a:rPr lang="en-US" sz="2400" dirty="0" err="1" smtClean="0">
+                <a:latin typeface="Courier" charset="0"/>
+                <a:ea typeface="Courier" charset="0"/>
+                <a:cs typeface="Courier" charset="0"/>
+              </a:rPr>
+              <a:t>round_number</a:t>
+            </a:r>
+            <a:endParaRPr lang="en-US" sz="2400" dirty="0" smtClean="0">
+              <a:latin typeface="Courier" charset="0"/>
+              <a:ea typeface="Courier" charset="0"/>
+              <a:cs typeface="Courier" charset="0"/>
+            </a:endParaRPr>
+          </a:p>
+          <a:p>
+            <a:r>
+              <a:rPr lang="en-US" sz="2400" dirty="0" smtClean="0"/>
+              <a:t>DB referrals</a:t>
+            </a:r>
+            <a:r>
+              <a:rPr lang="en-US" sz="2400" dirty="0" smtClean="0">
+                <a:latin typeface="Courier" charset="0"/>
+                <a:ea typeface="Courier" charset="0"/>
+                <a:cs typeface="Courier" charset="0"/>
+              </a:rPr>
+              <a:t>: </a:t>
+            </a:r>
+            <a:r>
+              <a:rPr lang="en-US" sz="2400" dirty="0" smtClean="0">
+                <a:latin typeface="Courier" charset="0"/>
+                <a:ea typeface="Courier" charset="0"/>
+                <a:cs typeface="Courier" charset="0"/>
+              </a:rPr>
+              <a:t>session</a:t>
+            </a:r>
+          </a:p>
+          <a:p>
             <a:endParaRPr lang="en-US" sz="2400" dirty="0">
               <a:latin typeface="Courier" charset="0"/>
               <a:ea typeface="Courier" charset="0"/>
               <a:cs typeface="Courier" charset="0"/>
             </a:endParaRPr>
           </a:p>
-        </p:txBody>
-      </p:sp>
-      <p:pic>
-        <p:nvPicPr>
-          <p:cNvPr id="3" name="Picture 2"/>
-          <p:cNvPicPr>
-            <a:picLocks noChangeAspect="1"/>
-          </p:cNvPicPr>
-          <p:nvPr/>
-        </p:nvPicPr>
-        <p:blipFill>
-          <a:blip r:embed="rId2"/>
-          <a:stretch>
-            <a:fillRect/>
-          </a:stretch>
-        </p:blipFill>
-        <p:spPr>
-          <a:xfrm>
-            <a:off x="666750" y="3249516"/>
-            <a:ext cx="11125200" cy="3608484"/>
-          </a:xfrm>
-          <a:prstGeom prst="rect">
-            <a:avLst/>
-          </a:prstGeom>
-        </p:spPr>
-      </p:pic>
+          <a:p>
+            <a:r>
+              <a:rPr lang="en-US" b="1" u="sng" dirty="0">
+                <a:solidFill>
+                  <a:srgbClr val="FF0000"/>
+                </a:solidFill>
+              </a:rPr>
+              <a:t>built-in </a:t>
+            </a:r>
+            <a:r>
+              <a:rPr lang="en-US" b="1" u="sng" dirty="0" smtClean="0">
+                <a:solidFill>
+                  <a:srgbClr val="FF0000"/>
+                </a:solidFill>
+              </a:rPr>
+              <a:t>methods:</a:t>
+            </a:r>
+          </a:p>
+          <a:p>
+            <a:r>
+              <a:rPr lang="en-US" sz="2400" dirty="0" err="1" smtClean="0">
+                <a:latin typeface="Courier" charset="0"/>
+                <a:ea typeface="Courier" charset="0"/>
+                <a:cs typeface="Courier" charset="0"/>
+              </a:rPr>
+              <a:t>get_players</a:t>
+            </a:r>
+            <a:r>
+              <a:rPr lang="en-US" sz="2400" dirty="0" smtClean="0">
+                <a:latin typeface="Courier" charset="0"/>
+                <a:ea typeface="Courier" charset="0"/>
+                <a:cs typeface="Courier" charset="0"/>
+              </a:rPr>
+              <a:t>()</a:t>
+            </a:r>
+          </a:p>
+          <a:p>
+            <a:r>
+              <a:rPr lang="en-US" sz="2400" dirty="0" err="1" smtClean="0">
+                <a:latin typeface="Courier" charset="0"/>
+                <a:ea typeface="Courier" charset="0"/>
+                <a:cs typeface="Courier" charset="0"/>
+              </a:rPr>
+              <a:t>get_group_matrix</a:t>
+            </a:r>
+            <a:r>
+              <a:rPr lang="en-US" sz="2400" dirty="0" smtClean="0">
+                <a:latin typeface="Courier" charset="0"/>
+                <a:ea typeface="Courier" charset="0"/>
+                <a:cs typeface="Courier" charset="0"/>
+              </a:rPr>
+              <a:t>()</a:t>
+            </a:r>
+          </a:p>
+          <a:p>
+            <a:r>
+              <a:rPr lang="en-US" sz="2400" dirty="0" err="1" smtClean="0">
+                <a:latin typeface="Courier" charset="0"/>
+                <a:ea typeface="Courier" charset="0"/>
+                <a:cs typeface="Courier" charset="0"/>
+              </a:rPr>
+              <a:t>set_group_matrix</a:t>
+            </a:r>
+            <a:r>
+              <a:rPr lang="en-US" sz="2400" dirty="0" smtClean="0">
+                <a:latin typeface="Courier" charset="0"/>
+                <a:ea typeface="Courier" charset="0"/>
+                <a:cs typeface="Courier" charset="0"/>
+              </a:rPr>
+              <a:t>()</a:t>
+            </a:r>
+          </a:p>
+          <a:p>
+            <a:r>
+              <a:rPr lang="en-US" sz="2400" dirty="0" err="1" smtClean="0">
+                <a:latin typeface="Courier" charset="0"/>
+                <a:ea typeface="Courier" charset="0"/>
+                <a:cs typeface="Courier" charset="0"/>
+              </a:rPr>
+              <a:t>group_randomly</a:t>
+            </a:r>
+            <a:r>
+              <a:rPr lang="en-US" sz="2400" dirty="0" smtClean="0">
+                <a:latin typeface="Courier" charset="0"/>
+                <a:ea typeface="Courier" charset="0"/>
+                <a:cs typeface="Courier" charset="0"/>
+              </a:rPr>
+              <a:t>()</a:t>
+            </a:r>
+          </a:p>
+          <a:p>
+            <a:r>
+              <a:rPr lang="en-US" sz="2400" dirty="0" err="1" smtClean="0">
+                <a:latin typeface="Courier" charset="0"/>
+                <a:ea typeface="Courier" charset="0"/>
+                <a:cs typeface="Courier" charset="0"/>
+              </a:rPr>
+              <a:t>group_like_round</a:t>
+            </a:r>
+            <a:r>
+              <a:rPr lang="en-US" sz="2400" dirty="0" smtClean="0">
+                <a:latin typeface="Courier" charset="0"/>
+                <a:ea typeface="Courier" charset="0"/>
+                <a:cs typeface="Courier" charset="0"/>
+              </a:rPr>
+              <a:t>()</a:t>
+            </a:r>
+            <a:endParaRPr lang="en-US" sz="2400" dirty="0" smtClean="0">
+              <a:latin typeface="Courier" charset="0"/>
+              <a:ea typeface="Courier" charset="0"/>
+              <a:cs typeface="Courier" charset="0"/>
+            </a:endParaRPr>
+          </a:p>
+          <a:p>
+            <a:r>
+              <a:rPr lang="en-US" sz="2400" dirty="0" err="1" smtClean="0">
+                <a:latin typeface="Courier" charset="0"/>
+                <a:ea typeface="Courier" charset="0"/>
+                <a:cs typeface="Courier" charset="0"/>
+              </a:rPr>
+              <a:t>creating_session</a:t>
+            </a:r>
+            <a:r>
+              <a:rPr lang="en-US" sz="2400" dirty="0" smtClean="0">
+                <a:latin typeface="Courier" charset="0"/>
+                <a:ea typeface="Courier" charset="0"/>
+                <a:cs typeface="Courier" charset="0"/>
+              </a:rPr>
+              <a:t>()</a:t>
+            </a:r>
+          </a:p>
+          <a:p>
+            <a:r>
+              <a:rPr lang="en-US" sz="2400" dirty="0" err="1">
+                <a:latin typeface="Courier" charset="0"/>
+                <a:ea typeface="Courier" charset="0"/>
+                <a:cs typeface="Courier" charset="0"/>
+              </a:rPr>
+              <a:t>in_round</a:t>
+            </a:r>
+            <a:r>
+              <a:rPr lang="en-US" sz="2400" dirty="0">
+                <a:latin typeface="Courier" charset="0"/>
+                <a:ea typeface="Courier" charset="0"/>
+                <a:cs typeface="Courier" charset="0"/>
+              </a:rPr>
+              <a:t>, </a:t>
+            </a:r>
+            <a:r>
+              <a:rPr lang="en-US" sz="2400" dirty="0" err="1">
+                <a:latin typeface="Courier" charset="0"/>
+                <a:ea typeface="Courier" charset="0"/>
+                <a:cs typeface="Courier" charset="0"/>
+              </a:rPr>
+              <a:t>in_previous_rounds</a:t>
+            </a:r>
+            <a:r>
+              <a:rPr lang="en-US" sz="2400" dirty="0">
+                <a:latin typeface="Courier" charset="0"/>
+                <a:ea typeface="Courier" charset="0"/>
+                <a:cs typeface="Courier" charset="0"/>
+              </a:rPr>
+              <a:t>, </a:t>
+            </a:r>
+            <a:r>
+              <a:rPr lang="en-US" sz="2400" dirty="0" err="1">
+                <a:latin typeface="Courier" charset="0"/>
+                <a:ea typeface="Courier" charset="0"/>
+                <a:cs typeface="Courier" charset="0"/>
+              </a:rPr>
+              <a:t>in_all_rounds</a:t>
+            </a:r>
+            <a:endParaRPr lang="en-US" sz="2400">
+              <a:latin typeface="Courier" charset="0"/>
+              <a:ea typeface="Courier" charset="0"/>
+              <a:cs typeface="Courier" charset="0"/>
+            </a:endParaRPr>
+          </a:p>
+          <a:p>
+            <a:endParaRPr lang="en-US" sz="2400" dirty="0" smtClean="0">
+              <a:latin typeface="Courier" charset="0"/>
+              <a:ea typeface="Courier" charset="0"/>
+              <a:cs typeface="Courier" charset="0"/>
+            </a:endParaRPr>
+          </a:p>
+        </p:txBody>
+      </p:sp>
     </p:spTree>
     <p:extLst>
       <p:ext uri="{BB962C8B-B14F-4D97-AF65-F5344CB8AC3E}">
-        <p14:creationId xmlns:p14="http://schemas.microsoft.com/office/powerpoint/2010/main" val="1100149218"/>
+        <p14:creationId xmlns:p14="http://schemas.microsoft.com/office/powerpoint/2010/main" val="1087833394"/>
       </p:ext>
     </p:extLst>
   </p:cSld>
@@ -14883,24 +14911,28 @@
           <a:lstStyle/>
           <a:p>
             <a:r>
+              <a:rPr lang="en-US" smtClean="0"/>
+              <a:t>Anatomy of an oTree </a:t>
+            </a:r>
+            <a:r>
               <a:rPr lang="en-US" smtClean="0">
                 <a:latin typeface="Courier" charset="0"/>
                 <a:ea typeface="Courier" charset="0"/>
                 <a:cs typeface="Courier" charset="0"/>
               </a:rPr>
-              <a:t>player </a:t>
-            </a:r>
-            <a:r>
-              <a:rPr lang="en-US" smtClean="0"/>
-              <a:t>model</a:t>
-            </a:r>
-            <a:endParaRPr lang="en-US" dirty="0"/>
-          </a:p>
-        </p:txBody>
-      </p:sp>
-      <p:sp>
-        <p:nvSpPr>
-          <p:cNvPr id="4" name="Content Placeholder 3"/>
+              <a:t>Page</a:t>
+            </a:r>
+            <a:endParaRPr lang="en-US">
+              <a:latin typeface="Courier" charset="0"/>
+              <a:ea typeface="Courier" charset="0"/>
+              <a:cs typeface="Courier" charset="0"/>
+            </a:endParaRPr>
+          </a:p>
+        </p:txBody>
+      </p:sp>
+      <p:sp>
+        <p:nvSpPr>
+          <p:cNvPr id="3" name="Content Placeholder 2"/>
           <p:cNvSpPr>
             <a:spLocks noGrp="1"/>
           </p:cNvSpPr>
@@ -14911,190 +14943,120 @@
         <p:spPr/>
         <p:txBody>
           <a:bodyPr>
-            <a:normAutofit fontScale="92500" lnSpcReduction="20000"/>
+            <a:normAutofit lnSpcReduction="10000"/>
           </a:bodyPr>
           <a:lstStyle/>
           <a:p>
-            <a:pPr>
-              <a:lnSpc>
-                <a:spcPct val="100000"/>
-              </a:lnSpc>
-            </a:pPr>
-            <a:r>
-              <a:rPr lang="en-US" b="1" u="sng" dirty="0">
-                <a:solidFill>
-                  <a:srgbClr val="FF0000"/>
-                </a:solidFill>
-              </a:rPr>
-              <a:t>built-in attributes:</a:t>
-            </a:r>
-          </a:p>
-          <a:p>
-            <a:r>
-              <a:rPr lang="en-US" sz="2400" dirty="0" err="1" smtClean="0">
-                <a:latin typeface="Courier" charset="0"/>
-                <a:ea typeface="Courier" charset="0"/>
-                <a:cs typeface="Courier" charset="0"/>
-              </a:rPr>
-              <a:t>id_in_group</a:t>
-            </a:r>
-            <a:endParaRPr lang="en-US" sz="2400" dirty="0" smtClean="0">
+            <a:pPr lvl="0"/>
+            <a:r>
+              <a:rPr lang="en-US" dirty="0" smtClean="0"/>
+              <a:t>Page creation:</a:t>
+            </a:r>
+          </a:p>
+          <a:p>
+            <a:pPr lvl="1"/>
+            <a:r>
+              <a:rPr lang="en-US" dirty="0" smtClean="0"/>
+              <a:t>class definition</a:t>
+            </a:r>
+          </a:p>
+          <a:p>
+            <a:pPr lvl="1"/>
+            <a:r>
+              <a:rPr lang="en-US" dirty="0" smtClean="0"/>
+              <a:t>template</a:t>
+            </a:r>
+          </a:p>
+          <a:p>
+            <a:r>
+              <a:rPr lang="en-US" dirty="0" smtClean="0"/>
+              <a:t>When/if/for whom it is shown:</a:t>
+            </a:r>
+          </a:p>
+          <a:p>
+            <a:pPr lvl="1"/>
+            <a:r>
+              <a:rPr lang="en-US" dirty="0" smtClean="0"/>
+              <a:t>position in </a:t>
+            </a:r>
+            <a:r>
+              <a:rPr lang="en-US" dirty="0" err="1" smtClean="0">
+                <a:latin typeface="Courier" charset="0"/>
+                <a:ea typeface="Courier" charset="0"/>
+                <a:cs typeface="Courier" charset="0"/>
+              </a:rPr>
+              <a:t>page_sequence</a:t>
+            </a:r>
+            <a:endParaRPr lang="en-US" dirty="0" smtClean="0">
               <a:latin typeface="Courier" charset="0"/>
               <a:ea typeface="Courier" charset="0"/>
               <a:cs typeface="Courier" charset="0"/>
             </a:endParaRPr>
           </a:p>
           <a:p>
-            <a:r>
-              <a:rPr lang="en-US" sz="2400" dirty="0" err="1" smtClean="0">
-                <a:latin typeface="Courier" charset="0"/>
-                <a:ea typeface="Courier" charset="0"/>
-                <a:cs typeface="Courier" charset="0"/>
-              </a:rPr>
-              <a:t>id_in_subsession</a:t>
-            </a:r>
-            <a:endParaRPr lang="en-US" sz="2400" dirty="0" smtClean="0">
-              <a:latin typeface="Courier" charset="0"/>
-              <a:ea typeface="Courier" charset="0"/>
-              <a:cs typeface="Courier" charset="0"/>
-            </a:endParaRPr>
-          </a:p>
-          <a:p>
-            <a:r>
-              <a:rPr lang="en-US" sz="2400" dirty="0" smtClean="0">
-                <a:latin typeface="Courier" charset="0"/>
-                <a:ea typeface="Courier" charset="0"/>
-                <a:cs typeface="Courier" charset="0"/>
-              </a:rPr>
-              <a:t>payoff</a:t>
-            </a:r>
-          </a:p>
-          <a:p>
-            <a:r>
-              <a:rPr lang="en-US" sz="2400" dirty="0" err="1" smtClean="0">
-                <a:latin typeface="Courier" charset="0"/>
-                <a:ea typeface="Courier" charset="0"/>
-                <a:cs typeface="Courier" charset="0"/>
-              </a:rPr>
-              <a:t>round_number</a:t>
-            </a:r>
-            <a:endParaRPr lang="en-US" sz="2400" dirty="0" smtClean="0">
-              <a:latin typeface="Courier" charset="0"/>
-              <a:ea typeface="Courier" charset="0"/>
-              <a:cs typeface="Courier" charset="0"/>
-            </a:endParaRPr>
-          </a:p>
-          <a:p>
-            <a:r>
-              <a:rPr lang="en-US" sz="2400" dirty="0" smtClean="0"/>
-              <a:t>DB referrals</a:t>
-            </a:r>
-            <a:r>
-              <a:rPr lang="en-US" sz="2400" dirty="0" smtClean="0">
-                <a:latin typeface="Courier" charset="0"/>
-                <a:ea typeface="Courier" charset="0"/>
-                <a:cs typeface="Courier" charset="0"/>
-              </a:rPr>
-              <a:t>: participant, group, </a:t>
-            </a:r>
-            <a:r>
-              <a:rPr lang="en-US" sz="2400" dirty="0" err="1" smtClean="0">
-                <a:latin typeface="Courier" charset="0"/>
-                <a:ea typeface="Courier" charset="0"/>
-                <a:cs typeface="Courier" charset="0"/>
-              </a:rPr>
-              <a:t>subsession</a:t>
-            </a:r>
-            <a:r>
-              <a:rPr lang="en-US" sz="2400" dirty="0" smtClean="0">
-                <a:latin typeface="Courier" charset="0"/>
-                <a:ea typeface="Courier" charset="0"/>
-                <a:cs typeface="Courier" charset="0"/>
-              </a:rPr>
-              <a:t>, session</a:t>
-            </a:r>
-          </a:p>
-          <a:p>
-            <a:endParaRPr lang="en-US" sz="2400" dirty="0">
-              <a:latin typeface="Courier" charset="0"/>
-              <a:ea typeface="Courier" charset="0"/>
-              <a:cs typeface="Courier" charset="0"/>
-            </a:endParaRPr>
-          </a:p>
-          <a:p>
-            <a:r>
-              <a:rPr lang="en-US" b="1" u="sng" dirty="0">
-                <a:solidFill>
-                  <a:srgbClr val="FF0000"/>
-                </a:solidFill>
-              </a:rPr>
-              <a:t>built-in </a:t>
-            </a:r>
-            <a:r>
-              <a:rPr lang="en-US" b="1" u="sng" dirty="0" smtClean="0">
-                <a:solidFill>
-                  <a:srgbClr val="FF0000"/>
-                </a:solidFill>
-              </a:rPr>
-              <a:t>methods:</a:t>
-            </a:r>
-          </a:p>
-          <a:p>
-            <a:r>
-              <a:rPr lang="en-US" sz="2400" dirty="0" err="1" smtClean="0"/>
-              <a:t>get_others_in_group</a:t>
-            </a:r>
-            <a:r>
-              <a:rPr lang="en-US" sz="2400" dirty="0" smtClean="0"/>
-              <a:t>()</a:t>
-            </a:r>
-          </a:p>
-          <a:p>
-            <a:r>
-              <a:rPr lang="en-US" sz="2400" dirty="0" err="1" smtClean="0"/>
-              <a:t>get_others_in_subsession</a:t>
-            </a:r>
-            <a:r>
-              <a:rPr lang="en-US" sz="2400" dirty="0" smtClean="0"/>
-              <a:t>()</a:t>
-            </a:r>
-          </a:p>
-          <a:p>
-            <a:r>
-              <a:rPr lang="en-US" sz="2400" dirty="0" err="1" smtClean="0"/>
-              <a:t>in_round</a:t>
-            </a:r>
-            <a:r>
-              <a:rPr lang="en-US" sz="2400" dirty="0" smtClean="0"/>
-              <a:t>, </a:t>
-            </a:r>
-            <a:r>
-              <a:rPr lang="en-US" sz="2400" dirty="0" err="1" smtClean="0"/>
-              <a:t>in_previous_rounds</a:t>
-            </a:r>
-            <a:r>
-              <a:rPr lang="en-US" sz="2400" dirty="0" smtClean="0"/>
-              <a:t>, </a:t>
-            </a:r>
-            <a:r>
-              <a:rPr lang="en-US" sz="2400" dirty="0" err="1" smtClean="0"/>
-              <a:t>in_all_rounds</a:t>
-            </a:r>
-            <a:endParaRPr lang="en-US" sz="2400" dirty="0"/>
-          </a:p>
-          <a:p>
-            <a:endParaRPr lang="en-US" sz="2400" dirty="0">
-              <a:latin typeface="Courier" charset="0"/>
-              <a:ea typeface="Courier" charset="0"/>
-              <a:cs typeface="Courier" charset="0"/>
-            </a:endParaRPr>
+            <a:pPr lvl="1"/>
+            <a:r>
+              <a:rPr lang="en-US" dirty="0" err="1" smtClean="0">
+                <a:latin typeface="Courier" charset="0"/>
+                <a:ea typeface="Courier" charset="0"/>
+                <a:cs typeface="Courier" charset="0"/>
+              </a:rPr>
+              <a:t>is_displayed</a:t>
+            </a:r>
+            <a:r>
+              <a:rPr lang="en-US" dirty="0" smtClean="0"/>
+              <a:t> method</a:t>
+            </a:r>
+            <a:endParaRPr lang="ru-RU" dirty="0" smtClean="0"/>
+          </a:p>
+          <a:p>
+            <a:r>
+              <a:rPr lang="en-US" dirty="0" smtClean="0"/>
+              <a:t>What is shown:</a:t>
+            </a:r>
+          </a:p>
+          <a:p>
+            <a:pPr lvl="1"/>
+            <a:r>
+              <a:rPr lang="en-US" dirty="0" err="1" smtClean="0">
+                <a:latin typeface="Courier" charset="0"/>
+                <a:ea typeface="Courier" charset="0"/>
+                <a:cs typeface="Courier" charset="0"/>
+              </a:rPr>
+              <a:t>vars_for_template</a:t>
+            </a:r>
+            <a:r>
+              <a:rPr lang="en-US" dirty="0" smtClean="0"/>
+              <a:t> method</a:t>
+            </a:r>
+          </a:p>
+          <a:p>
+            <a:r>
+              <a:rPr lang="en-US" dirty="0" smtClean="0"/>
+              <a:t>What to do next:</a:t>
+            </a:r>
+          </a:p>
+          <a:p>
+            <a:pPr lvl="1"/>
+            <a:r>
+              <a:rPr lang="en-US" dirty="0" err="1" smtClean="0">
+                <a:latin typeface="Courier" charset="0"/>
+                <a:ea typeface="Courier" charset="0"/>
+                <a:cs typeface="Courier" charset="0"/>
+              </a:rPr>
+              <a:t>before_next_page</a:t>
+            </a:r>
+            <a:r>
+              <a:rPr lang="en-US" dirty="0" smtClean="0"/>
+              <a:t> method</a:t>
+            </a:r>
           </a:p>
         </p:txBody>
       </p:sp>
     </p:spTree>
     <p:extLst>
       <p:ext uri="{BB962C8B-B14F-4D97-AF65-F5344CB8AC3E}">
-        <p14:creationId xmlns:p14="http://schemas.microsoft.com/office/powerpoint/2010/main" val="275114439"/>
+        <p14:creationId xmlns:p14="http://schemas.microsoft.com/office/powerpoint/2010/main" val="385505795"/>
       </p:ext>
     </p:extLst>
   </p:cSld>
@@ -15144,24 +15106,28 @@
           <a:lstStyle/>
           <a:p>
             <a:r>
+              <a:rPr lang="en-US" dirty="0" smtClean="0"/>
+              <a:t>Anatomy of an oTree </a:t>
+            </a:r>
+            <a:r>
               <a:rPr lang="en-US" dirty="0" smtClean="0">
                 <a:latin typeface="Courier" charset="0"/>
                 <a:ea typeface="Courier" charset="0"/>
                 <a:cs typeface="Courier" charset="0"/>
               </a:rPr>
-              <a:t>group </a:t>
-            </a:r>
-            <a:r>
-              <a:rPr lang="en-US" dirty="0" smtClean="0"/>
-              <a:t>model</a:t>
-            </a:r>
-            <a:endParaRPr lang="en-US" dirty="0"/>
-          </a:p>
-        </p:txBody>
-      </p:sp>
-      <p:sp>
-        <p:nvSpPr>
-          <p:cNvPr id="4" name="Content Placeholder 3"/>
+              <a:t>Page</a:t>
+            </a:r>
+            <a:endParaRPr lang="en-US" dirty="0">
+              <a:latin typeface="Courier" charset="0"/>
+              <a:ea typeface="Courier" charset="0"/>
+              <a:cs typeface="Courier" charset="0"/>
+            </a:endParaRPr>
+          </a:p>
+        </p:txBody>
+      </p:sp>
+      <p:sp>
+        <p:nvSpPr>
+          <p:cNvPr id="3" name="Content Placeholder 2"/>
           <p:cNvSpPr>
             <a:spLocks noGrp="1"/>
           </p:cNvSpPr>
@@ -15172,192 +15138,207 @@
         <p:spPr/>
         <p:txBody>
           <a:bodyPr>
-            <a:normAutofit lnSpcReduction="10000"/>
+            <a:normAutofit/>
           </a:bodyPr>
           <a:lstStyle/>
           <a:p>
-            <a:pPr>
-              <a:lnSpc>
-                <a:spcPct val="100000"/>
-              </a:lnSpc>
+            <a:pPr marL="0" lvl="0" indent="0">
+              <a:buNone/>
             </a:pPr>
             <a:r>
-              <a:rPr lang="en-US" b="1" u="sng" dirty="0">
-                <a:solidFill>
-                  <a:srgbClr val="FF0000"/>
-                </a:solidFill>
-              </a:rPr>
-              <a:t>built-in attributes:</a:t>
-            </a:r>
-          </a:p>
-          <a:p>
-            <a:r>
-              <a:rPr lang="en-US" sz="2400" dirty="0" err="1" smtClean="0">
-                <a:latin typeface="Courier" charset="0"/>
-                <a:ea typeface="Courier" charset="0"/>
-                <a:cs typeface="Courier" charset="0"/>
-              </a:rPr>
-              <a:t>id_in_subsession</a:t>
-            </a:r>
-            <a:endParaRPr lang="en-US" sz="2400" dirty="0" smtClean="0">
+              <a:rPr lang="en-US" dirty="0" smtClean="0">
+                <a:latin typeface="Courier" charset="0"/>
+                <a:ea typeface="Courier" charset="0"/>
+                <a:cs typeface="Courier" charset="0"/>
+              </a:rPr>
+              <a:t>class </a:t>
+            </a:r>
+            <a:r>
+              <a:rPr lang="en-US" dirty="0" err="1" smtClean="0">
+                <a:latin typeface="Courier" charset="0"/>
+                <a:ea typeface="Courier" charset="0"/>
+                <a:cs typeface="Courier" charset="0"/>
+              </a:rPr>
+              <a:t>MyPage</a:t>
+            </a:r>
+            <a:r>
+              <a:rPr lang="en-US" dirty="0" smtClean="0">
+                <a:latin typeface="Courier" charset="0"/>
+                <a:ea typeface="Courier" charset="0"/>
+                <a:cs typeface="Courier" charset="0"/>
+              </a:rPr>
+              <a:t>(Page):</a:t>
+            </a:r>
+          </a:p>
+          <a:p>
+            <a:pPr marL="0" lvl="0" indent="0">
+              <a:buNone/>
+            </a:pPr>
+            <a:r>
+              <a:rPr lang="en-US" dirty="0">
+                <a:latin typeface="Courier" charset="0"/>
+                <a:ea typeface="Courier" charset="0"/>
+                <a:cs typeface="Courier" charset="0"/>
+              </a:rPr>
+              <a:t> </a:t>
+            </a:r>
+            <a:r>
+              <a:rPr lang="en-US" dirty="0" smtClean="0">
+                <a:latin typeface="Courier" charset="0"/>
+                <a:ea typeface="Courier" charset="0"/>
+                <a:cs typeface="Courier" charset="0"/>
+              </a:rPr>
+              <a:t>  </a:t>
+            </a:r>
+            <a:r>
+              <a:rPr lang="en-US" dirty="0" err="1" smtClean="0">
+                <a:latin typeface="Courier" charset="0"/>
+                <a:ea typeface="Courier" charset="0"/>
+                <a:cs typeface="Courier" charset="0"/>
+              </a:rPr>
+              <a:t>form_model</a:t>
+            </a:r>
+            <a:r>
+              <a:rPr lang="en-US" dirty="0" smtClean="0">
+                <a:latin typeface="Courier" charset="0"/>
+                <a:ea typeface="Courier" charset="0"/>
+                <a:cs typeface="Courier" charset="0"/>
+              </a:rPr>
+              <a:t> = 'player</a:t>
+            </a:r>
+            <a:r>
+              <a:rPr lang="en-US" dirty="0">
+                <a:latin typeface="Courier" charset="0"/>
+                <a:ea typeface="Courier" charset="0"/>
+                <a:cs typeface="Courier" charset="0"/>
+              </a:rPr>
+              <a:t>'</a:t>
+            </a:r>
+            <a:endParaRPr lang="en-US" dirty="0" smtClean="0">
               <a:latin typeface="Courier" charset="0"/>
               <a:ea typeface="Courier" charset="0"/>
               <a:cs typeface="Courier" charset="0"/>
             </a:endParaRPr>
           </a:p>
           <a:p>
-            <a:r>
-              <a:rPr lang="en-US" sz="2400" dirty="0" err="1" smtClean="0">
-                <a:latin typeface="Courier" charset="0"/>
-                <a:ea typeface="Courier" charset="0"/>
-                <a:cs typeface="Courier" charset="0"/>
-              </a:rPr>
-              <a:t>round_number</a:t>
-            </a:r>
-            <a:endParaRPr lang="en-US" sz="2400" dirty="0" smtClean="0">
+            <a:pPr marL="0" lvl="0" indent="0">
+              <a:buNone/>
+            </a:pPr>
+            <a:r>
+              <a:rPr lang="en-US" dirty="0">
+                <a:latin typeface="Courier" charset="0"/>
+                <a:ea typeface="Courier" charset="0"/>
+                <a:cs typeface="Courier" charset="0"/>
+              </a:rPr>
+              <a:t> </a:t>
+            </a:r>
+            <a:r>
+              <a:rPr lang="en-US" dirty="0" smtClean="0">
+                <a:latin typeface="Courier" charset="0"/>
+                <a:ea typeface="Courier" charset="0"/>
+                <a:cs typeface="Courier" charset="0"/>
+              </a:rPr>
+              <a:t>  </a:t>
+            </a:r>
+            <a:r>
+              <a:rPr lang="en-US" dirty="0" err="1" smtClean="0">
+                <a:latin typeface="Courier" charset="0"/>
+                <a:ea typeface="Courier" charset="0"/>
+                <a:cs typeface="Courier" charset="0"/>
+              </a:rPr>
+              <a:t>form_fields</a:t>
+            </a:r>
+            <a:r>
+              <a:rPr lang="en-US" dirty="0" smtClean="0">
+                <a:latin typeface="Courier" charset="0"/>
+                <a:ea typeface="Courier" charset="0"/>
+                <a:cs typeface="Courier" charset="0"/>
+              </a:rPr>
+              <a:t> = ['</a:t>
+            </a:r>
+            <a:r>
+              <a:rPr lang="en-US" dirty="0" err="1" smtClean="0">
+                <a:latin typeface="Courier" charset="0"/>
+                <a:ea typeface="Courier" charset="0"/>
+                <a:cs typeface="Courier" charset="0"/>
+              </a:rPr>
+              <a:t>my_field</a:t>
+            </a:r>
+            <a:r>
+              <a:rPr lang="en-US" dirty="0">
+                <a:latin typeface="Courier" charset="0"/>
+                <a:ea typeface="Courier" charset="0"/>
+                <a:cs typeface="Courier" charset="0"/>
+              </a:rPr>
+              <a:t>'</a:t>
+            </a:r>
+            <a:r>
+              <a:rPr lang="en-US" smtClean="0">
+                <a:latin typeface="Courier" charset="0"/>
+                <a:ea typeface="Courier" charset="0"/>
+                <a:cs typeface="Courier" charset="0"/>
+              </a:rPr>
+              <a:t>]</a:t>
+            </a:r>
+            <a:endParaRPr lang="en-US" dirty="0" smtClean="0">
               <a:latin typeface="Courier" charset="0"/>
               <a:ea typeface="Courier" charset="0"/>
               <a:cs typeface="Courier" charset="0"/>
             </a:endParaRPr>
           </a:p>
           <a:p>
-            <a:r>
-              <a:rPr lang="en-US" sz="2400" dirty="0" smtClean="0"/>
-              <a:t>DB referrals</a:t>
-            </a:r>
-            <a:r>
-              <a:rPr lang="en-US" sz="2400" dirty="0" smtClean="0">
-                <a:latin typeface="Courier" charset="0"/>
-                <a:ea typeface="Courier" charset="0"/>
-                <a:cs typeface="Courier" charset="0"/>
-              </a:rPr>
-              <a:t>: </a:t>
-            </a:r>
-            <a:r>
-              <a:rPr lang="en-US" sz="2400" dirty="0" err="1" smtClean="0">
-                <a:latin typeface="Courier" charset="0"/>
-                <a:ea typeface="Courier" charset="0"/>
-                <a:cs typeface="Courier" charset="0"/>
-              </a:rPr>
-              <a:t>subsession</a:t>
-            </a:r>
-            <a:r>
-              <a:rPr lang="en-US" sz="2400" dirty="0" smtClean="0">
-                <a:latin typeface="Courier" charset="0"/>
-                <a:ea typeface="Courier" charset="0"/>
-                <a:cs typeface="Courier" charset="0"/>
-              </a:rPr>
-              <a:t>, session</a:t>
-            </a:r>
-          </a:p>
-          <a:p>
-            <a:endParaRPr lang="en-US" sz="2400" dirty="0">
+            <a:pPr marL="0" lvl="0" indent="0">
+              <a:buNone/>
+            </a:pPr>
+            <a:endParaRPr lang="en-US" dirty="0">
               <a:latin typeface="Courier" charset="0"/>
               <a:ea typeface="Courier" charset="0"/>
               <a:cs typeface="Courier" charset="0"/>
             </a:endParaRPr>
           </a:p>
           <a:p>
-            <a:r>
-              <a:rPr lang="en-US" b="1" u="sng" dirty="0">
-                <a:solidFill>
-                  <a:srgbClr val="FF0000"/>
-                </a:solidFill>
-              </a:rPr>
-              <a:t>built-in </a:t>
-            </a:r>
-            <a:r>
-              <a:rPr lang="en-US" b="1" u="sng" dirty="0" smtClean="0">
-                <a:solidFill>
-                  <a:srgbClr val="FF0000"/>
-                </a:solidFill>
-              </a:rPr>
-              <a:t>methods:</a:t>
-            </a:r>
-          </a:p>
-          <a:p>
-            <a:r>
-              <a:rPr lang="en-US" sz="2400" dirty="0" err="1" smtClean="0">
-                <a:latin typeface="Courier" charset="0"/>
-                <a:ea typeface="Courier" charset="0"/>
-                <a:cs typeface="Courier" charset="0"/>
-              </a:rPr>
-              <a:t>get_players</a:t>
-            </a:r>
-            <a:r>
-              <a:rPr lang="en-US" sz="2400" dirty="0" smtClean="0">
-                <a:latin typeface="Courier" charset="0"/>
-                <a:ea typeface="Courier" charset="0"/>
-                <a:cs typeface="Courier" charset="0"/>
-              </a:rPr>
-              <a:t>()</a:t>
-            </a:r>
-          </a:p>
-          <a:p>
-            <a:r>
-              <a:rPr lang="en-US" sz="2400" dirty="0" err="1" smtClean="0">
-                <a:latin typeface="Courier" charset="0"/>
-                <a:ea typeface="Courier" charset="0"/>
-                <a:cs typeface="Courier" charset="0"/>
-              </a:rPr>
-              <a:t>set_players</a:t>
-            </a:r>
-            <a:r>
-              <a:rPr lang="en-US" sz="2400" dirty="0" smtClean="0">
-                <a:latin typeface="Courier" charset="0"/>
-                <a:ea typeface="Courier" charset="0"/>
-                <a:cs typeface="Courier" charset="0"/>
-              </a:rPr>
-              <a:t>()</a:t>
-            </a:r>
-          </a:p>
-          <a:p>
-            <a:r>
-              <a:rPr lang="en-US" sz="2400" dirty="0" err="1" smtClean="0">
-                <a:latin typeface="Courier" charset="0"/>
-                <a:ea typeface="Courier" charset="0"/>
-                <a:cs typeface="Courier" charset="0"/>
-              </a:rPr>
-              <a:t>get_player_by_id</a:t>
-            </a:r>
-            <a:r>
-              <a:rPr lang="en-US" sz="2400" dirty="0" smtClean="0">
-                <a:latin typeface="Courier" charset="0"/>
-                <a:ea typeface="Courier" charset="0"/>
-                <a:cs typeface="Courier" charset="0"/>
-              </a:rPr>
-              <a:t>(ID)</a:t>
-            </a:r>
-          </a:p>
-          <a:p>
-            <a:r>
-              <a:rPr lang="en-US" sz="2400" dirty="0" err="1" smtClean="0">
-                <a:latin typeface="Courier" charset="0"/>
-                <a:ea typeface="Courier" charset="0"/>
-                <a:cs typeface="Courier" charset="0"/>
-              </a:rPr>
-              <a:t>get_player_by_role</a:t>
-            </a:r>
-            <a:r>
-              <a:rPr lang="en-US" sz="2400" dirty="0" smtClean="0">
-                <a:latin typeface="Courier" charset="0"/>
-                <a:ea typeface="Courier" charset="0"/>
-                <a:cs typeface="Courier" charset="0"/>
-              </a:rPr>
-              <a:t>(ROLE)</a:t>
-            </a:r>
-            <a:endParaRPr lang="en-US" sz="2400" dirty="0">
-              <a:latin typeface="Courier" charset="0"/>
-              <a:ea typeface="Courier" charset="0"/>
-              <a:cs typeface="Courier" charset="0"/>
-            </a:endParaRPr>
+            <a:pPr marL="0" lvl="0" indent="0">
+              <a:buNone/>
+            </a:pPr>
+            <a:r>
+              <a:rPr lang="en-US" dirty="0" err="1" smtClean="0">
+                <a:latin typeface="Courier" charset="0"/>
+                <a:ea typeface="Courier" charset="0"/>
+                <a:cs typeface="Courier" charset="0"/>
+              </a:rPr>
+              <a:t>page_sequence</a:t>
+            </a:r>
+            <a:r>
+              <a:rPr lang="en-US" dirty="0" smtClean="0">
+                <a:latin typeface="Courier" charset="0"/>
+                <a:ea typeface="Courier" charset="0"/>
+                <a:cs typeface="Courier" charset="0"/>
+              </a:rPr>
+              <a:t> = [</a:t>
+            </a:r>
+            <a:r>
+              <a:rPr lang="en-US" dirty="0" err="1" smtClean="0">
+                <a:latin typeface="Courier" charset="0"/>
+                <a:ea typeface="Courier" charset="0"/>
+                <a:cs typeface="Courier" charset="0"/>
+              </a:rPr>
+              <a:t>MyPage</a:t>
+            </a:r>
+            <a:r>
+              <a:rPr lang="en-US" dirty="0" smtClean="0">
+                <a:latin typeface="Courier" charset="0"/>
+                <a:ea typeface="Courier" charset="0"/>
+                <a:cs typeface="Courier" charset="0"/>
+              </a:rPr>
+              <a:t>]</a:t>
+            </a:r>
           </a:p>
         </p:txBody>
       </p:sp>
     </p:spTree>
     <p:extLst>
       <p:ext uri="{BB962C8B-B14F-4D97-AF65-F5344CB8AC3E}">
-        <p14:creationId xmlns:p14="http://schemas.microsoft.com/office/powerpoint/2010/main" val="1087833394"/>
+        <p14:creationId xmlns:p14="http://schemas.microsoft.com/office/powerpoint/2010/main" val="867566026"/>
       </p:ext>
     </p:extLst>
   </p:cSld>
@@ -15407,22 +15388,10 @@
           <a:lstStyle/>
           <a:p>
             <a:r>
-              <a:rPr lang="en-US" smtClean="0"/>
-              <a:t>Anatomy of an oTree </a:t>
-            </a:r>
-            <a:r>
-              <a:rPr lang="en-US" smtClean="0">
-                <a:latin typeface="Courier" charset="0"/>
-                <a:ea typeface="Courier" charset="0"/>
-                <a:cs typeface="Courier" charset="0"/>
-              </a:rPr>
-              <a:t>Page</a:t>
-            </a:r>
-            <a:endParaRPr lang="en-US">
-              <a:latin typeface="Courier" charset="0"/>
-              <a:ea typeface="Courier" charset="0"/>
-              <a:cs typeface="Courier" charset="0"/>
-            </a:endParaRPr>
+              <a:rPr lang="en-US" dirty="0" smtClean="0"/>
+              <a:t>Field form(s) on a template</a:t>
+            </a:r>
+            <a:endParaRPr lang="en-US" dirty="0"/>
           </a:p>
         </p:txBody>
       </p:sp>
@@ -15439,49 +15408,110 @@
         <p:spPr/>
         <p:txBody>
           <a:bodyPr>
-            <a:normAutofit lnSpcReduction="10000"/>
+            <a:normAutofit fontScale="92500" lnSpcReduction="20000"/>
           </a:bodyPr>
           <a:lstStyle/>
           <a:p>
-            <a:pPr lvl="0"/>
-            <a:r>
-              <a:rPr lang="en-US" dirty="0" smtClean="0"/>
-              <a:t>Page creation:</a:t>
-            </a:r>
-          </a:p>
-          <a:p>
-            <a:pPr lvl="1"/>
-            <a:r>
-              <a:rPr lang="en-US" dirty="0" smtClean="0"/>
-              <a:t>class definition</a:t>
-            </a:r>
-          </a:p>
-          <a:p>
-            <a:pPr lvl="1"/>
-            <a:r>
-              <a:rPr lang="en-US" dirty="0" smtClean="0"/>
-              <a:t>template</a:t>
-            </a:r>
-          </a:p>
-          <a:p>
-            <a:r>
-              <a:rPr lang="en-US" dirty="0" smtClean="0"/>
-              <a:t>When/if/for whom it is shown:</a:t>
-            </a:r>
-          </a:p>
-          <a:p>
-            <a:pPr lvl="1"/>
-            <a:r>
-              <a:rPr lang="en-US" dirty="0" smtClean="0"/>
-              <a:t>position in </a:t>
-            </a:r>
-            <a:r>
-              <a:rPr lang="en-US" dirty="0" err="1" smtClean="0">
-                <a:latin typeface="Courier" charset="0"/>
-                <a:ea typeface="Courier" charset="0"/>
-                <a:cs typeface="Courier" charset="0"/>
-              </a:rPr>
-              <a:t>page_sequence</a:t>
+            <a:pPr marL="301625" indent="0" algn="ctr">
+              <a:buNone/>
+            </a:pPr>
+            <a:r>
+              <a:rPr lang="en-US" sz="2400" dirty="0">
+                <a:latin typeface="Courier" charset="0"/>
+                <a:ea typeface="Courier" charset="0"/>
+                <a:cs typeface="Courier" charset="0"/>
+              </a:rPr>
+              <a:t>{% </a:t>
+            </a:r>
+            <a:r>
+              <a:rPr lang="en-US" sz="2400" dirty="0" err="1" smtClean="0">
+                <a:latin typeface="Courier" charset="0"/>
+                <a:ea typeface="Courier" charset="0"/>
+                <a:cs typeface="Courier" charset="0"/>
+              </a:rPr>
+              <a:t>fieldform</a:t>
+            </a:r>
+            <a:r>
+              <a:rPr lang="en-US" sz="2400" dirty="0" smtClean="0">
+                <a:latin typeface="Courier" charset="0"/>
+                <a:ea typeface="Courier" charset="0"/>
+                <a:cs typeface="Courier" charset="0"/>
+              </a:rPr>
+              <a:t> </a:t>
+            </a:r>
+            <a:r>
+              <a:rPr lang="en-US" sz="2400" dirty="0" err="1" smtClean="0">
+                <a:latin typeface="Courier" charset="0"/>
+                <a:ea typeface="Courier" charset="0"/>
+                <a:cs typeface="Courier" charset="0"/>
+              </a:rPr>
+              <a:t>player.my_field</a:t>
+            </a:r>
+            <a:r>
+              <a:rPr lang="en-US" sz="2400" dirty="0">
+                <a:latin typeface="Courier" charset="0"/>
+                <a:ea typeface="Courier" charset="0"/>
+                <a:cs typeface="Courier" charset="0"/>
+              </a:rPr>
+              <a:t> </a:t>
+            </a:r>
+            <a:r>
+              <a:rPr lang="en-US" sz="2400" dirty="0" smtClean="0">
+                <a:latin typeface="Courier" charset="0"/>
+                <a:ea typeface="Courier" charset="0"/>
+                <a:cs typeface="Courier" charset="0"/>
+              </a:rPr>
+              <a:t>label= ‘Enter something’ %} </a:t>
+            </a:r>
+            <a:endParaRPr lang="en-US" dirty="0" smtClean="0">
+              <a:latin typeface="Helvetica Neue Thin" charset="0"/>
+              <a:ea typeface="Helvetica Neue Thin" charset="0"/>
+              <a:cs typeface="Helvetica Neue Thin" charset="0"/>
+            </a:endParaRPr>
+          </a:p>
+          <a:p>
+            <a:pPr marL="301625" indent="0" algn="ctr">
+              <a:buNone/>
+            </a:pPr>
+            <a:r>
+              <a:rPr lang="en-US" sz="3600" b="1" dirty="0" smtClean="0">
+                <a:solidFill>
+                  <a:srgbClr val="FF0000"/>
+                </a:solidFill>
+                <a:latin typeface="Helvetica Neue Thin" charset="0"/>
+                <a:ea typeface="Helvetica Neue Thin" charset="0"/>
+                <a:cs typeface="Helvetica Neue Thin" charset="0"/>
+              </a:rPr>
+              <a:t>OR:</a:t>
+            </a:r>
+            <a:r>
+              <a:rPr lang="en-US" sz="3600" dirty="0" smtClean="0">
+                <a:latin typeface="Helvetica Neue Thin" charset="0"/>
+                <a:ea typeface="Helvetica Neue Thin" charset="0"/>
+                <a:cs typeface="Helvetica Neue Thin" charset="0"/>
+              </a:rPr>
+              <a:t> </a:t>
+            </a:r>
+          </a:p>
+          <a:p>
+            <a:pPr marL="2984500" indent="0">
+              <a:buNone/>
+            </a:pPr>
+            <a:r>
+              <a:rPr lang="en-US" dirty="0" smtClean="0">
+                <a:latin typeface="Courier" charset="0"/>
+                <a:ea typeface="Courier" charset="0"/>
+                <a:cs typeface="Courier" charset="0"/>
+              </a:rPr>
+              <a:t>{% </a:t>
+            </a:r>
+            <a:r>
+              <a:rPr lang="en-US" dirty="0">
+                <a:latin typeface="Courier" charset="0"/>
+                <a:ea typeface="Courier" charset="0"/>
+                <a:cs typeface="Courier" charset="0"/>
+              </a:rPr>
+              <a:t>for field in form %} </a:t>
             </a:r>
             <a:endParaRPr lang="en-US" dirty="0" smtClean="0">
               <a:latin typeface="Courier" charset="0"/>
@@ -15490,61 +15520,163 @@
             </a:endParaRPr>
           </a:p>
           <a:p>
-            <a:pPr lvl="1"/>
+            <a:pPr marL="2984500" lvl="1" indent="0">
+              <a:buNone/>
+            </a:pPr>
+            <a:r>
+              <a:rPr lang="en-US" dirty="0" smtClean="0">
+                <a:latin typeface="Courier" charset="0"/>
+                <a:ea typeface="Courier" charset="0"/>
+                <a:cs typeface="Courier" charset="0"/>
+              </a:rPr>
+              <a:t>		{% </a:t>
+            </a:r>
+            <a:r>
+              <a:rPr lang="en-US" dirty="0" err="1">
+                <a:latin typeface="Courier" charset="0"/>
+                <a:ea typeface="Courier" charset="0"/>
+                <a:cs typeface="Courier" charset="0"/>
+              </a:rPr>
+              <a:t>formfield</a:t>
+            </a:r>
+            <a:r>
+              <a:rPr lang="en-US" dirty="0">
+                <a:latin typeface="Courier" charset="0"/>
+                <a:ea typeface="Courier" charset="0"/>
+                <a:cs typeface="Courier" charset="0"/>
+              </a:rPr>
+              <a:t> field %} </a:t>
+            </a:r>
+            <a:endParaRPr lang="en-US" dirty="0" smtClean="0">
+              <a:latin typeface="Courier" charset="0"/>
+              <a:ea typeface="Courier" charset="0"/>
+              <a:cs typeface="Courier" charset="0"/>
+            </a:endParaRPr>
+          </a:p>
+          <a:p>
+            <a:pPr marL="2984500" indent="0">
+              <a:buNone/>
+            </a:pPr>
+            <a:r>
+              <a:rPr lang="en-US" dirty="0" smtClean="0">
+                <a:latin typeface="Courier" charset="0"/>
+                <a:ea typeface="Courier" charset="0"/>
+                <a:cs typeface="Courier" charset="0"/>
+              </a:rPr>
+              <a:t>{% </a:t>
+            </a:r>
+            <a:r>
+              <a:rPr lang="en-US" dirty="0" err="1">
+                <a:latin typeface="Courier" charset="0"/>
+                <a:ea typeface="Courier" charset="0"/>
+                <a:cs typeface="Courier" charset="0"/>
+              </a:rPr>
+              <a:t>endfor</a:t>
+            </a:r>
+            <a:r>
+              <a:rPr lang="en-US" dirty="0">
+                <a:latin typeface="Courier" charset="0"/>
+                <a:ea typeface="Courier" charset="0"/>
+                <a:cs typeface="Courier" charset="0"/>
+              </a:rPr>
+              <a:t> </a:t>
+            </a:r>
+            <a:r>
+              <a:rPr lang="en-US" dirty="0" smtClean="0">
+                <a:latin typeface="Courier" charset="0"/>
+                <a:ea typeface="Courier" charset="0"/>
+                <a:cs typeface="Courier" charset="0"/>
+              </a:rPr>
+              <a:t>%}</a:t>
+            </a:r>
+          </a:p>
+          <a:p>
+            <a:pPr marL="301625" indent="0" algn="ctr">
+              <a:buNone/>
+            </a:pPr>
+            <a:r>
+              <a:rPr lang="en-US" sz="3600" b="1" dirty="0">
+                <a:solidFill>
+                  <a:srgbClr val="FF0000"/>
+                </a:solidFill>
+                <a:latin typeface="Helvetica Neue Thin" charset="0"/>
+                <a:ea typeface="Helvetica Neue Thin" charset="0"/>
+                <a:cs typeface="Helvetica Neue Thin" charset="0"/>
+              </a:rPr>
+              <a:t>OR: </a:t>
+            </a:r>
+          </a:p>
+          <a:p>
+            <a:pPr marL="15875" indent="0" algn="ctr">
+              <a:buNone/>
+            </a:pPr>
+            <a:r>
+              <a:rPr lang="en-US" dirty="0" smtClean="0">
+                <a:latin typeface="Courier" charset="0"/>
+                <a:ea typeface="Courier" charset="0"/>
+                <a:cs typeface="Courier" charset="0"/>
+              </a:rPr>
+              <a:t>{% </a:t>
+            </a:r>
             <a:r>
               <a:rPr lang="en-US" dirty="0" err="1" smtClean="0">
                 <a:latin typeface="Courier" charset="0"/>
                 <a:ea typeface="Courier" charset="0"/>
                 <a:cs typeface="Courier" charset="0"/>
               </a:rPr>
-              <a:t>is_displayed</a:t>
-            </a:r>
-            <a:r>
-              <a:rPr lang="en-US" dirty="0" smtClean="0"/>
-              <a:t> method</a:t>
-            </a:r>
-            <a:endParaRPr lang="ru-RU" dirty="0" smtClean="0"/>
-          </a:p>
-          <a:p>
-            <a:r>
-              <a:rPr lang="en-US" dirty="0" smtClean="0"/>
-              <a:t>What is shown:</a:t>
-            </a:r>
-          </a:p>
-          <a:p>
-            <a:pPr lvl="1"/>
-            <a:r>
-              <a:rPr lang="en-US" dirty="0" err="1" smtClean="0">
-                <a:latin typeface="Courier" charset="0"/>
-                <a:ea typeface="Courier" charset="0"/>
-                <a:cs typeface="Courier" charset="0"/>
-              </a:rPr>
-              <a:t>vars_for_template</a:t>
-            </a:r>
-            <a:r>
-              <a:rPr lang="en-US" dirty="0" smtClean="0"/>
-              <a:t> method</a:t>
-            </a:r>
-          </a:p>
-          <a:p>
-            <a:r>
-              <a:rPr lang="en-US" dirty="0" smtClean="0"/>
-              <a:t>What to do next:</a:t>
-            </a:r>
-          </a:p>
-          <a:p>
-            <a:pPr lvl="1"/>
-            <a:r>
-              <a:rPr lang="en-US" dirty="0" err="1" smtClean="0">
-                <a:latin typeface="Courier" charset="0"/>
-                <a:ea typeface="Courier" charset="0"/>
-                <a:cs typeface="Courier" charset="0"/>
-              </a:rPr>
-              <a:t>before_next_page</a:t>
-            </a:r>
-            <a:r>
-              <a:rPr lang="en-US" dirty="0" smtClean="0"/>
-              <a:t> method</a:t>
+              <a:t>formfields</a:t>
+            </a:r>
+            <a:r>
+              <a:rPr lang="en-US" dirty="0" smtClean="0">
+                <a:latin typeface="Courier" charset="0"/>
+                <a:ea typeface="Courier" charset="0"/>
+                <a:cs typeface="Courier" charset="0"/>
+              </a:rPr>
+              <a:t> %}</a:t>
+            </a:r>
+            <a:endParaRPr lang="en-US" dirty="0">
+              <a:latin typeface="Courier" charset="0"/>
+              <a:ea typeface="Courier" charset="0"/>
+              <a:cs typeface="Courier" charset="0"/>
+            </a:endParaRPr>
+          </a:p>
+          <a:p>
+            <a:pPr marL="2984500" indent="0">
+              <a:buNone/>
+            </a:pPr>
+            <a:endParaRPr lang="en-US" dirty="0" smtClean="0">
+              <a:latin typeface="Courier" charset="0"/>
+              <a:ea typeface="Courier" charset="0"/>
+              <a:cs typeface="Courier" charset="0"/>
+            </a:endParaRPr>
+          </a:p>
+          <a:p>
+            <a:pPr marL="301625" indent="0" algn="ctr">
+              <a:buNone/>
+            </a:pPr>
+            <a:r>
+              <a:rPr lang="en-US" sz="3600" b="1" dirty="0">
+                <a:solidFill>
+                  <a:srgbClr val="FF0000"/>
+                </a:solidFill>
+                <a:latin typeface="Helvetica Neue Thin" charset="0"/>
+                <a:ea typeface="Helvetica Neue Thin" charset="0"/>
+                <a:cs typeface="Helvetica Neue Thin" charset="0"/>
+              </a:rPr>
+              <a:t>OR: </a:t>
+            </a:r>
+          </a:p>
+          <a:p>
+            <a:pPr marL="15875" indent="0" algn="ctr">
+              <a:buNone/>
+            </a:pPr>
+            <a:r>
+              <a:rPr lang="en-US" dirty="0" smtClean="0">
+                <a:latin typeface="Courier" charset="0"/>
+                <a:ea typeface="Courier" charset="0"/>
+                <a:cs typeface="Courier" charset="0"/>
+              </a:rPr>
+              <a:t>{{ form }}</a:t>
             </a:r>
           </a:p>
         </p:txBody>
@@ -15552,7 +15684,7 @@
     </p:spTree>
     <p:extLst>
       <p:ext uri="{BB962C8B-B14F-4D97-AF65-F5344CB8AC3E}">
-        <p14:creationId xmlns:p14="http://schemas.microsoft.com/office/powerpoint/2010/main" val="385505795"/>
+        <p14:creationId xmlns:p14="http://schemas.microsoft.com/office/powerpoint/2010/main" val="100886266"/>
       </p:ext>
     </p:extLst>
   </p:cSld>
@@ -15602,18 +15734,18 @@
           <a:lstStyle/>
           <a:p>
             <a:r>
-              <a:rPr lang="en-US" dirty="0" smtClean="0"/>
-              <a:t>Anatomy of an oTree </a:t>
-            </a:r>
-            <a:r>
-              <a:rPr lang="en-US" dirty="0" smtClean="0">
+              <a:rPr lang="en-US" smtClean="0"/>
+              <a:t>Methods of an oTree </a:t>
+            </a:r>
+            <a:r>
+              <a:rPr lang="en-US" smtClean="0">
                 <a:latin typeface="Courier" charset="0"/>
                 <a:ea typeface="Courier" charset="0"/>
                 <a:cs typeface="Courier" charset="0"/>
               </a:rPr>
               <a:t>Page</a:t>
             </a:r>
-            <a:endParaRPr lang="en-US" dirty="0">
+            <a:endParaRPr lang="en-US">
               <a:latin typeface="Courier" charset="0"/>
               <a:ea typeface="Courier" charset="0"/>
               <a:cs typeface="Courier" charset="0"/>
@@ -15633,208 +15765,100 @@
         </p:nvSpPr>
         <p:spPr/>
         <p:txBody>
-          <a:bodyPr>
-            <a:normAutofit/>
-          </a:bodyPr>
-          <a:lstStyle/>
-          <a:p>
-            <a:pPr marL="0" lvl="0" indent="0">
-              <a:buNone/>
+          <a:bodyPr/>
+          <a:lstStyle/>
+          <a:p>
+            <a:pPr lvl="0">
+              <a:lnSpc>
+                <a:spcPct val="150000"/>
+              </a:lnSpc>
             </a:pPr>
             <a:r>
+              <a:rPr lang="en-US" dirty="0" smtClean="0"/>
+              <a:t>BEFORE page is shown:</a:t>
+            </a:r>
+          </a:p>
+          <a:p>
+            <a:pPr lvl="1">
+              <a:lnSpc>
+                <a:spcPct val="150000"/>
+              </a:lnSpc>
+            </a:pPr>
+            <a:r>
+              <a:rPr lang="en-US" dirty="0" err="1" smtClean="0"/>
+              <a:t>is_displayed</a:t>
+            </a:r>
+            <a:r>
+              <a:rPr lang="en-US" dirty="0" smtClean="0"/>
+              <a:t> </a:t>
+            </a:r>
+            <a:r>
+              <a:rPr lang="en-US" i="1" dirty="0" smtClean="0"/>
+              <a:t>(should return </a:t>
+            </a:r>
+            <a:r>
               <a:rPr lang="en-US" dirty="0" smtClean="0">
                 <a:latin typeface="Courier" charset="0"/>
                 <a:ea typeface="Courier" charset="0"/>
                 <a:cs typeface="Courier" charset="0"/>
               </a:rPr>
-              <a:t>class </a:t>
-            </a:r>
-            <a:r>
-              <a:rPr lang="en-US" dirty="0" err="1" smtClean="0">
-                <a:latin typeface="Courier" charset="0"/>
-                <a:ea typeface="Courier" charset="0"/>
-                <a:cs typeface="Courier" charset="0"/>
-              </a:rPr>
-              <a:t>MyPage</a:t>
-            </a:r>
-            <a:r>
-              <a:rPr lang="en-US" dirty="0" smtClean="0">
-                <a:latin typeface="Courier" charset="0"/>
-                <a:ea typeface="Courier" charset="0"/>
-                <a:cs typeface="Courier" charset="0"/>
-              </a:rPr>
-              <a:t>(Page):</a:t>
-            </a:r>
-          </a:p>
-          <a:p>
-            <a:pPr marL="0" lvl="0" indent="0">
-              <a:buNone/>
+              <a:t>True</a:t>
+            </a:r>
+            <a:r>
+              <a:rPr lang="en-US" i="1" dirty="0" smtClean="0"/>
+              <a:t> if page is to be shown)</a:t>
+            </a:r>
+            <a:endParaRPr lang="en-US" dirty="0" smtClean="0"/>
+          </a:p>
+          <a:p>
+            <a:pPr lvl="1">
+              <a:lnSpc>
+                <a:spcPct val="150000"/>
+              </a:lnSpc>
             </a:pPr>
             <a:r>
-              <a:rPr lang="en-US" dirty="0">
-                <a:latin typeface="Courier" charset="0"/>
-                <a:ea typeface="Courier" charset="0"/>
-                <a:cs typeface="Courier" charset="0"/>
-              </a:rPr>
-              <a:t> </a:t>
-            </a:r>
-            <a:r>
-              <a:rPr lang="en-US" dirty="0" smtClean="0">
-                <a:latin typeface="Courier" charset="0"/>
-                <a:ea typeface="Courier" charset="0"/>
-                <a:cs typeface="Courier" charset="0"/>
-              </a:rPr>
-              <a:t>  </a:t>
-            </a:r>
-            <a:r>
-              <a:rPr lang="en-US" dirty="0" err="1" smtClean="0">
-                <a:latin typeface="Courier" charset="0"/>
-                <a:ea typeface="Courier" charset="0"/>
-                <a:cs typeface="Courier" charset="0"/>
-              </a:rPr>
-              <a:t>form_model</a:t>
-            </a:r>
-            <a:r>
-              <a:rPr lang="en-US" dirty="0" smtClean="0">
-                <a:latin typeface="Courier" charset="0"/>
-                <a:ea typeface="Courier" charset="0"/>
-                <a:cs typeface="Courier" charset="0"/>
-              </a:rPr>
-              <a:t> = 'player</a:t>
-            </a:r>
-            <a:r>
-              <a:rPr lang="en-US" dirty="0">
-                <a:latin typeface="Courier" charset="0"/>
-                <a:ea typeface="Courier" charset="0"/>
-                <a:cs typeface="Courier" charset="0"/>
-              </a:rPr>
-              <a:t>'</a:t>
-            </a:r>
-            <a:endParaRPr lang="en-US" dirty="0" smtClean="0">
-              <a:latin typeface="Courier" charset="0"/>
-              <a:ea typeface="Courier" charset="0"/>
-              <a:cs typeface="Courier" charset="0"/>
-            </a:endParaRPr>
-          </a:p>
-          <a:p>
-            <a:pPr marL="0" lvl="0" indent="0">
-              <a:buNone/>
+              <a:rPr lang="en-US" dirty="0" err="1" smtClean="0"/>
+              <a:t>vars_for_template</a:t>
+            </a:r>
+            <a:r>
+              <a:rPr lang="en-US" dirty="0" smtClean="0"/>
+              <a:t> (should return variables in a form of </a:t>
+            </a:r>
+            <a:r>
+              <a:rPr lang="en-US" b="1" dirty="0" smtClean="0"/>
+              <a:t>dictionary)</a:t>
+            </a:r>
+            <a:endParaRPr lang="en-US" dirty="0" smtClean="0"/>
+          </a:p>
+          <a:p>
+            <a:pPr lvl="0">
+              <a:lnSpc>
+                <a:spcPct val="150000"/>
+              </a:lnSpc>
             </a:pPr>
             <a:r>
-              <a:rPr lang="en-US" dirty="0">
-                <a:latin typeface="Courier" charset="0"/>
-                <a:ea typeface="Courier" charset="0"/>
-                <a:cs typeface="Courier" charset="0"/>
-              </a:rPr>
-              <a:t> </a:t>
-            </a:r>
-            <a:r>
-              <a:rPr lang="en-US" dirty="0" smtClean="0">
-                <a:latin typeface="Courier" charset="0"/>
-                <a:ea typeface="Courier" charset="0"/>
-                <a:cs typeface="Courier" charset="0"/>
-              </a:rPr>
-              <a:t>  </a:t>
-            </a:r>
-            <a:r>
-              <a:rPr lang="en-US" dirty="0" err="1" smtClean="0">
-                <a:latin typeface="Courier" charset="0"/>
-                <a:ea typeface="Courier" charset="0"/>
-                <a:cs typeface="Courier" charset="0"/>
-              </a:rPr>
-              <a:t>form_fields</a:t>
-            </a:r>
-            <a:r>
-              <a:rPr lang="en-US" dirty="0" smtClean="0">
-                <a:latin typeface="Courier" charset="0"/>
-                <a:ea typeface="Courier" charset="0"/>
-                <a:cs typeface="Courier" charset="0"/>
-              </a:rPr>
-              <a:t> = ['</a:t>
-            </a:r>
-            <a:r>
-              <a:rPr lang="en-US" dirty="0" err="1" smtClean="0">
-                <a:latin typeface="Courier" charset="0"/>
-                <a:ea typeface="Courier" charset="0"/>
-                <a:cs typeface="Courier" charset="0"/>
-              </a:rPr>
-              <a:t>my_field</a:t>
-            </a:r>
-            <a:r>
-              <a:rPr lang="en-US" dirty="0">
-                <a:latin typeface="Courier" charset="0"/>
-                <a:ea typeface="Courier" charset="0"/>
-                <a:cs typeface="Courier" charset="0"/>
-              </a:rPr>
-              <a:t>'</a:t>
-            </a:r>
-            <a:r>
-              <a:rPr lang="en-US" smtClean="0">
-                <a:latin typeface="Courier" charset="0"/>
-                <a:ea typeface="Courier" charset="0"/>
-                <a:cs typeface="Courier" charset="0"/>
-              </a:rPr>
-              <a:t>]</a:t>
-            </a:r>
-            <a:endParaRPr lang="en-US" dirty="0" smtClean="0">
-              <a:latin typeface="Courier" charset="0"/>
-              <a:ea typeface="Courier" charset="0"/>
-              <a:cs typeface="Courier" charset="0"/>
-            </a:endParaRPr>
-          </a:p>
-          <a:p>
-            <a:pPr marL="0" lvl="0" indent="0">
-              <a:buNone/>
+              <a:rPr lang="en-US" dirty="0" smtClean="0"/>
+              <a:t>AFTER page is shown:</a:t>
+            </a:r>
+          </a:p>
+          <a:p>
+            <a:pPr lvl="1">
+              <a:lnSpc>
+                <a:spcPct val="150000"/>
+              </a:lnSpc>
             </a:pPr>
-            <a:endParaRPr lang="en-US" dirty="0">
-              <a:latin typeface="Courier" charset="0"/>
-              <a:ea typeface="Courier" charset="0"/>
-              <a:cs typeface="Courier" charset="0"/>
-            </a:endParaRPr>
-          </a:p>
-          <a:p>
-            <a:pPr marL="0" lvl="0" indent="0">
-              <a:buNone/>
-            </a:pPr>
-            <a:r>
-              <a:rPr lang="en-US" dirty="0" err="1" smtClean="0">
-                <a:latin typeface="Courier" charset="0"/>
-                <a:ea typeface="Courier" charset="0"/>
-                <a:cs typeface="Courier" charset="0"/>
-              </a:rPr>
-              <a:t>page_sequence</a:t>
-            </a:r>
-            <a:r>
-              <a:rPr lang="en-US" dirty="0" smtClean="0">
-                <a:latin typeface="Courier" charset="0"/>
-                <a:ea typeface="Courier" charset="0"/>
-                <a:cs typeface="Courier" charset="0"/>
-              </a:rPr>
-              <a:t> = [</a:t>
-            </a:r>
-            <a:r>
-              <a:rPr lang="en-US" dirty="0" err="1" smtClean="0">
-                <a:latin typeface="Courier" charset="0"/>
-                <a:ea typeface="Courier" charset="0"/>
-                <a:cs typeface="Courier" charset="0"/>
-              </a:rPr>
-              <a:t>MyPage</a:t>
-            </a:r>
-            <a:r>
-              <a:rPr lang="en-US" dirty="0" smtClean="0">
-                <a:latin typeface="Courier" charset="0"/>
-                <a:ea typeface="Courier" charset="0"/>
-                <a:cs typeface="Courier" charset="0"/>
-              </a:rPr>
-              <a:t>]</a:t>
-            </a:r>
+            <a:r>
+              <a:rPr lang="en-US" dirty="0" err="1" smtClean="0"/>
+              <a:t>before_next_page</a:t>
+            </a:r>
+            <a:endParaRPr lang="en-US" dirty="0" smtClean="0"/>
           </a:p>
         </p:txBody>
       </p:sp>
     </p:spTree>
     <p:extLst>
       <p:ext uri="{BB962C8B-B14F-4D97-AF65-F5344CB8AC3E}">
-        <p14:creationId xmlns:p14="http://schemas.microsoft.com/office/powerpoint/2010/main" val="867566026"/>
+        <p14:creationId xmlns:p14="http://schemas.microsoft.com/office/powerpoint/2010/main" val="1401883589"/>
       </p:ext>
     </p:extLst>
   </p:cSld>
@@ -15885,7 +15909,7 @@
           <a:p>
             <a:r>
               <a:rPr lang="en-US" dirty="0" smtClean="0"/>
-              <a:t>Field form(s) on a template</a:t>
+              <a:t>Templates: using variables</a:t>
             </a:r>
             <a:endParaRPr lang="en-US" dirty="0"/>
           </a:p>
@@ -15893,7 +15917,7 @@
       </p:sp>
       <p:sp>
         <p:nvSpPr>
-          <p:cNvPr id="3" name="Content Placeholder 2"/>
+          <p:cNvPr id="7" name="Content Placeholder 6"/>
           <p:cNvSpPr>
             <a:spLocks noGrp="1"/>
           </p:cNvSpPr>
@@ -15904,93 +15928,96 @@
         <p:spPr/>
         <p:txBody>
           <a:bodyPr>
-            <a:normAutofit fontScale="92500" lnSpcReduction="20000"/>
+            <a:normAutofit lnSpcReduction="10000"/>
           </a:bodyPr>
           <a:lstStyle/>
           <a:p>
-            <a:pPr marL="301625" indent="0" algn="ctr">
+            <a:r>
+              <a:rPr lang="en-US" dirty="0" smtClean="0"/>
+              <a:t>In a template you can access variables defined in </a:t>
+            </a:r>
+            <a:r>
+              <a:rPr lang="en-US" dirty="0" err="1" smtClean="0">
+                <a:latin typeface="Courier" charset="0"/>
+                <a:ea typeface="Courier" charset="0"/>
+                <a:cs typeface="Courier" charset="0"/>
+              </a:rPr>
+              <a:t>vars_for_template</a:t>
+            </a:r>
+            <a:r>
+              <a:rPr lang="en-US" dirty="0">
+                <a:latin typeface="Courier" charset="0"/>
+                <a:ea typeface="Courier" charset="0"/>
+                <a:cs typeface="Courier" charset="0"/>
+              </a:rPr>
+              <a:t> </a:t>
+            </a:r>
+            <a:r>
+              <a:rPr lang="en-US" dirty="0" smtClean="0"/>
+              <a:t>of the specific page:</a:t>
+            </a:r>
+          </a:p>
+          <a:p>
+            <a:endParaRPr lang="en-US" dirty="0" smtClean="0"/>
+          </a:p>
+          <a:p>
+            <a:pPr marL="0" indent="0" algn="ctr">
               <a:buNone/>
             </a:pPr>
             <a:r>
-              <a:rPr lang="en-US" sz="2400" dirty="0">
-                <a:latin typeface="Courier" charset="0"/>
-                <a:ea typeface="Courier" charset="0"/>
-                <a:cs typeface="Courier" charset="0"/>
-              </a:rPr>
-              <a:t>{% </a:t>
-            </a:r>
-            <a:r>
-              <a:rPr lang="en-US" sz="2400" dirty="0" err="1" smtClean="0">
-                <a:latin typeface="Courier" charset="0"/>
-                <a:ea typeface="Courier" charset="0"/>
-                <a:cs typeface="Courier" charset="0"/>
-              </a:rPr>
-              <a:t>fieldform</a:t>
-            </a:r>
-            <a:r>
-              <a:rPr lang="en-US" sz="2400" dirty="0" smtClean="0">
-                <a:latin typeface="Courier" charset="0"/>
-                <a:ea typeface="Courier" charset="0"/>
-                <a:cs typeface="Courier" charset="0"/>
-              </a:rPr>
-              <a:t> </a:t>
-            </a:r>
-            <a:r>
-              <a:rPr lang="en-US" sz="2400" dirty="0" err="1" smtClean="0">
-                <a:latin typeface="Courier" charset="0"/>
-                <a:ea typeface="Courier" charset="0"/>
-                <a:cs typeface="Courier" charset="0"/>
-              </a:rPr>
-              <a:t>player.my_field</a:t>
-            </a:r>
-            <a:r>
-              <a:rPr lang="en-US" sz="2400" dirty="0">
-                <a:latin typeface="Courier" charset="0"/>
-                <a:ea typeface="Courier" charset="0"/>
-                <a:cs typeface="Courier" charset="0"/>
-              </a:rPr>
-              <a:t> </a:t>
-            </a:r>
-            <a:r>
-              <a:rPr lang="en-US" sz="2400" dirty="0" smtClean="0">
-                <a:latin typeface="Courier" charset="0"/>
-                <a:ea typeface="Courier" charset="0"/>
-                <a:cs typeface="Courier" charset="0"/>
-              </a:rPr>
-              <a:t>label= ‘Enter something’ %} </a:t>
-            </a:r>
-            <a:endParaRPr lang="en-US" dirty="0" smtClean="0">
-              <a:latin typeface="Helvetica Neue Thin" charset="0"/>
-              <a:ea typeface="Helvetica Neue Thin" charset="0"/>
-              <a:cs typeface="Helvetica Neue Thin" charset="0"/>
-            </a:endParaRPr>
-          </a:p>
-          <a:p>
-            <a:pPr marL="301625" indent="0" algn="ctr">
+              <a:rPr lang="en-US" dirty="0" smtClean="0">
+                <a:latin typeface="Courier" charset="0"/>
+                <a:ea typeface="Courier" charset="0"/>
+                <a:cs typeface="Courier" charset="0"/>
+              </a:rPr>
+              <a:t>{{ </a:t>
+            </a:r>
+            <a:r>
+              <a:rPr lang="en-US" dirty="0" err="1" smtClean="0">
+                <a:latin typeface="Courier" charset="0"/>
+                <a:ea typeface="Courier" charset="0"/>
+                <a:cs typeface="Courier" charset="0"/>
+              </a:rPr>
+              <a:t>var</a:t>
+            </a:r>
+            <a:r>
+              <a:rPr lang="en-US" dirty="0" smtClean="0">
+                <a:latin typeface="Courier" charset="0"/>
+                <a:ea typeface="Courier" charset="0"/>
+                <a:cs typeface="Courier" charset="0"/>
+              </a:rPr>
+              <a:t> }}</a:t>
+            </a:r>
+          </a:p>
+          <a:p>
+            <a:pPr marL="0" indent="0">
               <a:buNone/>
             </a:pPr>
             <a:r>
-              <a:rPr lang="en-US" sz="3600" b="1" dirty="0" smtClean="0">
-                <a:solidFill>
-                  <a:srgbClr val="FF0000"/>
-                </a:solidFill>
-                <a:latin typeface="Helvetica Neue Thin" charset="0"/>
-                <a:ea typeface="Helvetica Neue Thin" charset="0"/>
-                <a:cs typeface="Helvetica Neue Thin" charset="0"/>
-              </a:rPr>
-              <a:t>OR:</a:t>
-            </a:r>
-            <a:r>
-              <a:rPr lang="en-US" sz="3600" dirty="0" smtClean="0">
-                <a:latin typeface="Helvetica Neue Thin" charset="0"/>
-                <a:ea typeface="Helvetica Neue Thin" charset="0"/>
-                <a:cs typeface="Helvetica Neue Thin" charset="0"/>
-              </a:rPr>
-              <a:t> </a:t>
-            </a:r>
-          </a:p>
-          <a:p>
-            <a:pPr marL="2984500" indent="0">
+              <a:rPr lang="en-US" dirty="0" smtClean="0">
+                <a:latin typeface="Helvetica Neue Light" charset="0"/>
+                <a:ea typeface="Helvetica Neue Light" charset="0"/>
+                <a:cs typeface="Helvetica Neue Light" charset="0"/>
+              </a:rPr>
+              <a:t>You can also use lists and dictionaries</a:t>
+            </a:r>
+          </a:p>
+          <a:p>
+            <a:r>
+              <a:rPr lang="en-US" dirty="0" smtClean="0"/>
+              <a:t>You can also access any variable in Constants, Player, Group</a:t>
+            </a:r>
+            <a:r>
+              <a:rPr lang="mr-IN" dirty="0" smtClean="0"/>
+              <a:t>…</a:t>
+            </a:r>
+            <a:endParaRPr lang="en-US" dirty="0" smtClean="0"/>
+          </a:p>
+          <a:p>
+            <a:endParaRPr lang="en-US" dirty="0" smtClean="0"/>
+          </a:p>
+          <a:p>
+            <a:pPr marL="0" indent="0" algn="ctr">
               <a:buNone/>
             </a:pPr>
             <a:r>
@@ -15999,136 +16026,52 @@
                 <a:ea typeface="Courier" charset="0"/>
                 <a:cs typeface="Courier" charset="0"/>
               </a:rPr>
-              <a:t>{% </a:t>
-            </a:r>
-            <a:r>
-              <a:rPr lang="en-US" dirty="0">
-                <a:latin typeface="Courier" charset="0"/>
-                <a:ea typeface="Courier" charset="0"/>
-                <a:cs typeface="Courier" charset="0"/>
-              </a:rPr>
-              <a:t>for field in form %} </a:t>
-            </a:r>
-            <a:endParaRPr lang="en-US" dirty="0" smtClean="0">
-              <a:latin typeface="Courier" charset="0"/>
-              <a:ea typeface="Courier" charset="0"/>
-              <a:cs typeface="Courier" charset="0"/>
-            </a:endParaRPr>
-          </a:p>
-          <a:p>
-            <a:pPr marL="2984500" lvl="1" indent="0">
+              <a:t>{{ </a:t>
+            </a:r>
+            <a:r>
+              <a:rPr lang="en-US" dirty="0" err="1" smtClean="0">
+                <a:latin typeface="Courier" charset="0"/>
+                <a:ea typeface="Courier" charset="0"/>
+                <a:cs typeface="Courier" charset="0"/>
+              </a:rPr>
+              <a:t>player.payoff</a:t>
+            </a:r>
+            <a:r>
+              <a:rPr lang="en-US" dirty="0" smtClean="0">
+                <a:latin typeface="Courier" charset="0"/>
+                <a:ea typeface="Courier" charset="0"/>
+                <a:cs typeface="Courier" charset="0"/>
+              </a:rPr>
+              <a:t> }}</a:t>
+            </a:r>
+          </a:p>
+          <a:p>
+            <a:pPr marL="0" indent="0" algn="ctr">
               <a:buNone/>
             </a:pPr>
             <a:r>
+              <a:rPr lang="en-US" dirty="0">
+                <a:latin typeface="Courier" charset="0"/>
+                <a:ea typeface="Courier" charset="0"/>
+                <a:cs typeface="Courier" charset="0"/>
+              </a:rPr>
+              <a:t>{{ </a:t>
+            </a:r>
+            <a:r>
+              <a:rPr lang="en-US" dirty="0" err="1" smtClean="0">
+                <a:latin typeface="Courier" charset="0"/>
+                <a:ea typeface="Courier" charset="0"/>
+                <a:cs typeface="Courier" charset="0"/>
+              </a:rPr>
+              <a:t>participant.payoff</a:t>
+            </a:r>
+            <a:r>
               <a:rPr lang="en-US" dirty="0" smtClean="0">
                 <a:latin typeface="Courier" charset="0"/>
                 <a:ea typeface="Courier" charset="0"/>
                 <a:cs typeface="Courier" charset="0"/>
               </a:rPr>
-              <a:t>		{% </a:t>
-            </a:r>
-            <a:r>
-              <a:rPr lang="en-US" dirty="0" err="1">
-                <a:latin typeface="Courier" charset="0"/>
-                <a:ea typeface="Courier" charset="0"/>
-                <a:cs typeface="Courier" charset="0"/>
-              </a:rPr>
-              <a:t>formfield</a:t>
-            </a:r>
-            <a:r>
-              <a:rPr lang="en-US" dirty="0">
-                <a:latin typeface="Courier" charset="0"/>
-                <a:ea typeface="Courier" charset="0"/>
-                <a:cs typeface="Courier" charset="0"/>
-              </a:rPr>
-              <a:t> field %} </a:t>
-            </a:r>
-            <a:endParaRPr lang="en-US" dirty="0" smtClean="0">
-              <a:latin typeface="Courier" charset="0"/>
-              <a:ea typeface="Courier" charset="0"/>
-              <a:cs typeface="Courier" charset="0"/>
-            </a:endParaRPr>
-          </a:p>
-          <a:p>
-            <a:pPr marL="2984500" indent="0">
-              <a:buNone/>
-            </a:pPr>
-            <a:r>
-              <a:rPr lang="en-US" dirty="0" smtClean="0">
-                <a:latin typeface="Courier" charset="0"/>
-                <a:ea typeface="Courier" charset="0"/>
-                <a:cs typeface="Courier" charset="0"/>
-              </a:rPr>
-              <a:t>{% </a:t>
-            </a:r>
-            <a:r>
-              <a:rPr lang="en-US" dirty="0" err="1">
-                <a:latin typeface="Courier" charset="0"/>
-                <a:ea typeface="Courier" charset="0"/>
-                <a:cs typeface="Courier" charset="0"/>
-              </a:rPr>
-              <a:t>endfor</a:t>
-            </a:r>
-            <a:r>
-              <a:rPr lang="en-US" dirty="0">
-                <a:latin typeface="Courier" charset="0"/>
-                <a:ea typeface="Courier" charset="0"/>
-                <a:cs typeface="Courier" charset="0"/>
-              </a:rPr>
-              <a:t> </a:t>
-            </a:r>
-            <a:r>
-              <a:rPr lang="en-US" dirty="0" smtClean="0">
-                <a:latin typeface="Courier" charset="0"/>
-                <a:ea typeface="Courier" charset="0"/>
-                <a:cs typeface="Courier" charset="0"/>
-              </a:rPr>
-              <a:t>%}</a:t>
-            </a:r>
-          </a:p>
-          <a:p>
-            <a:pPr marL="301625" indent="0" algn="ctr">
-              <a:buNone/>
-            </a:pPr>
-            <a:r>
-              <a:rPr lang="en-US" sz="3600" b="1" dirty="0">
-                <a:solidFill>
-                  <a:srgbClr val="FF0000"/>
-                </a:solidFill>
-                <a:latin typeface="Helvetica Neue Thin" charset="0"/>
-                <a:ea typeface="Helvetica Neue Thin" charset="0"/>
-                <a:cs typeface="Helvetica Neue Thin" charset="0"/>
-              </a:rPr>
-              <a:t>OR: </a:t>
-            </a:r>
-          </a:p>
-          <a:p>
-            <a:pPr marL="15875" indent="0" algn="ctr">
-              <a:buNone/>
-            </a:pPr>
-            <a:r>
-              <a:rPr lang="en-US" dirty="0" smtClean="0">
-                <a:latin typeface="Courier" charset="0"/>
-                <a:ea typeface="Courier" charset="0"/>
-                <a:cs typeface="Courier" charset="0"/>
-              </a:rPr>
-              <a:t>{% </a:t>
-            </a:r>
-            <a:r>
-              <a:rPr lang="en-US" dirty="0" err="1" smtClean="0">
-                <a:latin typeface="Courier" charset="0"/>
-                <a:ea typeface="Courier" charset="0"/>
-                <a:cs typeface="Courier" charset="0"/>
-              </a:rPr>
-              <a:t>formfields</a:t>
-            </a:r>
-            <a:r>
-              <a:rPr lang="en-US" dirty="0" smtClean="0">
-                <a:latin typeface="Courier" charset="0"/>
-                <a:ea typeface="Courier" charset="0"/>
-                <a:cs typeface="Courier" charset="0"/>
-              </a:rPr>
-              <a:t> %}</a:t>
+              <a:t> }}</a:t>
             </a:r>
             <a:endParaRPr lang="en-US" dirty="0">
               <a:latin typeface="Courier" charset="0"/>
@@ -16137,7 +16080,7 @@
             </a:endParaRPr>
           </a:p>
           <a:p>
-            <a:pPr marL="2984500" indent="0">
+            <a:pPr marL="0" indent="0" algn="ctr">
               <a:buNone/>
             </a:pPr>
             <a:endParaRPr lang="en-US" dirty="0" smtClean="0">
@@ -16146,41 +16089,12 @@
               <a:cs typeface="Courier" charset="0"/>
             </a:endParaRPr>
           </a:p>
-          <a:p>
-            <a:pPr marL="301625" indent="0" algn="ctr">
-              <a:buNone/>
-            </a:pPr>
-            <a:r>
-              <a:rPr lang="en-US" sz="3600" b="1" dirty="0">
-                <a:solidFill>
-                  <a:srgbClr val="FF0000"/>
-                </a:solidFill>
-                <a:latin typeface="Helvetica Neue Thin" charset="0"/>
-                <a:ea typeface="Helvetica Neue Thin" charset="0"/>
-                <a:cs typeface="Helvetica Neue Thin" charset="0"/>
-              </a:rPr>
-              <a:t>OR: </a:t>
-            </a:r>
-          </a:p>
-          <a:p>
-            <a:pPr marL="15875" indent="0" algn="ctr">
-              <a:buNone/>
-            </a:pPr>
-            <a:r>
-              <a:rPr lang="en-US" dirty="0" smtClean="0">
-                <a:latin typeface="Courier" charset="0"/>
-                <a:ea typeface="Courier" charset="0"/>
-                <a:cs typeface="Courier" charset="0"/>
-              </a:rPr>
-              <a:t>{{ form }}</a:t>
-            </a:r>
-          </a:p>
         </p:txBody>
       </p:sp>
     </p:spTree>
     <p:extLst>
       <p:ext uri="{BB962C8B-B14F-4D97-AF65-F5344CB8AC3E}">
-        <p14:creationId xmlns:p14="http://schemas.microsoft.com/office/powerpoint/2010/main" val="100886266"/>
+        <p14:creationId xmlns:p14="http://schemas.microsoft.com/office/powerpoint/2010/main" val="523872768"/>
       </p:ext>
     </p:extLst>
   </p:cSld>
@@ -16230,28 +16144,32 @@
           <a:lstStyle/>
           <a:p>
             <a:r>
-              <a:rPr lang="en-US" smtClean="0"/>
-              <a:t>Methods of an oTree </a:t>
-            </a:r>
-            <a:r>
-              <a:rPr lang="en-US" smtClean="0">
-                <a:latin typeface="Courier" charset="0"/>
-                <a:ea typeface="Courier" charset="0"/>
-                <a:cs typeface="Courier" charset="0"/>
-              </a:rPr>
-              <a:t>Page</a:t>
-            </a:r>
-            <a:endParaRPr lang="en-US">
-              <a:latin typeface="Courier" charset="0"/>
-              <a:ea typeface="Courier" charset="0"/>
-              <a:cs typeface="Courier" charset="0"/>
-            </a:endParaRPr>
-          </a:p>
-        </p:txBody>
-      </p:sp>
-      <p:sp>
-        <p:nvSpPr>
-          <p:cNvPr id="3" name="Content Placeholder 2"/>
+              <a:rPr lang="en-US" dirty="0" err="1" smtClean="0">
+                <a:latin typeface="Courier" charset="0"/>
+                <a:ea typeface="Courier" charset="0"/>
+                <a:cs typeface="Courier" charset="0"/>
+              </a:rPr>
+              <a:t>creating_session</a:t>
+            </a:r>
+            <a:r>
+              <a:rPr lang="en-US" dirty="0" smtClean="0">
+                <a:latin typeface="Courier" charset="0"/>
+                <a:ea typeface="Courier" charset="0"/>
+                <a:cs typeface="Courier" charset="0"/>
+              </a:rPr>
+              <a:t> </a:t>
+            </a:r>
+            <a:r>
+              <a:rPr lang="en-US" dirty="0" smtClean="0"/>
+              <a:t>method</a:t>
+            </a:r>
+            <a:endParaRPr lang="en-US" dirty="0"/>
+          </a:p>
+        </p:txBody>
+      </p:sp>
+      <p:sp>
+        <p:nvSpPr>
+          <p:cNvPr id="4" name="Content Placeholder 3"/>
           <p:cNvSpPr>
             <a:spLocks noGrp="1"/>
           </p:cNvSpPr>
@@ -16264,97 +16182,182 @@
           <a:bodyPr/>
           <a:lstStyle/>
           <a:p>
-            <a:pPr lvl="0">
-              <a:lnSpc>
-                <a:spcPct val="150000"/>
-              </a:lnSpc>
-            </a:pPr>
+            <a:r>
+              <a:rPr lang="en-US" b="1" dirty="0" err="1" smtClean="0">
+                <a:solidFill>
+                  <a:srgbClr val="FF0000"/>
+                </a:solidFill>
+                <a:latin typeface="Courier" charset="0"/>
+                <a:ea typeface="Courier" charset="0"/>
+                <a:cs typeface="Courier" charset="0"/>
+              </a:rPr>
+              <a:t>Subsession</a:t>
+            </a:r>
+            <a:r>
+              <a:rPr lang="en-US" b="1" dirty="0" smtClean="0">
+                <a:solidFill>
+                  <a:srgbClr val="FF0000"/>
+                </a:solidFill>
+                <a:latin typeface="Courier" charset="0"/>
+                <a:ea typeface="Courier" charset="0"/>
+                <a:cs typeface="Courier" charset="0"/>
+              </a:rPr>
+              <a:t> </a:t>
+            </a:r>
             <a:r>
               <a:rPr lang="en-US" dirty="0" smtClean="0"/>
-              <a:t>BEFORE page is shown:</a:t>
-            </a:r>
-          </a:p>
-          <a:p>
-            <a:pPr lvl="1">
-              <a:lnSpc>
-                <a:spcPct val="150000"/>
-              </a:lnSpc>
-            </a:pPr>
-            <a:r>
-              <a:rPr lang="en-US" dirty="0" err="1" smtClean="0"/>
-              <a:t>is_displayed</a:t>
-            </a:r>
+              <a:t>model has a special method </a:t>
+            </a:r>
+            <a:r>
+              <a:rPr lang="en-US" b="1" dirty="0" err="1" smtClean="0">
+                <a:solidFill>
+                  <a:srgbClr val="FF0000"/>
+                </a:solidFill>
+                <a:latin typeface="Courier" charset="0"/>
+                <a:ea typeface="Courier" charset="0"/>
+                <a:cs typeface="Courier" charset="0"/>
+              </a:rPr>
+              <a:t>creating_session</a:t>
+            </a:r>
+            <a:endParaRPr lang="en-US" b="1" dirty="0">
+              <a:solidFill>
+                <a:srgbClr val="FF0000"/>
+              </a:solidFill>
+              <a:latin typeface="Courier" charset="0"/>
+              <a:ea typeface="Courier" charset="0"/>
+              <a:cs typeface="Courier" charset="0"/>
+            </a:endParaRPr>
+          </a:p>
+          <a:p>
             <a:r>
               <a:rPr lang="en-US" dirty="0" smtClean="0"/>
+              <a:t>The code there will be executed just </a:t>
+            </a:r>
+            <a:r>
+              <a:rPr lang="en-US" b="1" dirty="0" smtClean="0"/>
+              <a:t>before </a:t>
+            </a:r>
+            <a:r>
+              <a:rPr lang="en-US" dirty="0" smtClean="0"/>
+              <a:t>the session starts.</a:t>
+            </a:r>
+          </a:p>
+          <a:p>
+            <a:pPr algn="ctr"/>
+            <a:r>
+              <a:rPr lang="en-US" cap="all" dirty="0" smtClean="0"/>
+              <a:t>It will be executed as many times as many rounds the game has.</a:t>
+            </a:r>
+          </a:p>
+          <a:p>
+            <a:r>
+              <a:rPr lang="en-US" dirty="0" smtClean="0"/>
+              <a:t>It is used for randomizing initial values and assign treatments</a:t>
+            </a:r>
+          </a:p>
+          <a:p>
+            <a:r>
+              <a:rPr lang="en-US" b="1" dirty="0" err="1">
+                <a:solidFill>
+                  <a:srgbClr val="FF0000"/>
+                </a:solidFill>
+                <a:latin typeface="Courier" charset="0"/>
+                <a:ea typeface="Courier" charset="0"/>
+                <a:cs typeface="Courier" charset="0"/>
+              </a:rPr>
+              <a:t>Subsession</a:t>
+            </a:r>
+            <a:r>
+              <a:rPr lang="en-US" b="1" dirty="0">
+                <a:solidFill>
+                  <a:srgbClr val="FF0000"/>
+                </a:solidFill>
+                <a:latin typeface="Courier" charset="0"/>
+                <a:ea typeface="Courier" charset="0"/>
+                <a:cs typeface="Courier" charset="0"/>
+              </a:rPr>
               <a:t> </a:t>
             </a:r>
             <a:r>
-              <a:rPr lang="en-US" i="1" dirty="0" smtClean="0"/>
-              <a:t>(should return </a:t>
-            </a:r>
-            <a:r>
-              <a:rPr lang="en-US" dirty="0" smtClean="0">
-                <a:latin typeface="Courier" charset="0"/>
-                <a:ea typeface="Courier" charset="0"/>
-                <a:cs typeface="Courier" charset="0"/>
-              </a:rPr>
-              <a:t>True</a:t>
-            </a:r>
-            <a:r>
-              <a:rPr lang="en-US" i="1" dirty="0" smtClean="0"/>
-              <a:t> if page is to be shown)</a:t>
-            </a:r>
-            <a:endParaRPr lang="en-US" dirty="0" smtClean="0"/>
-          </a:p>
-          <a:p>
-            <a:pPr lvl="1">
-              <a:lnSpc>
-                <a:spcPct val="150000"/>
-              </a:lnSpc>
-            </a:pPr>
-            <a:r>
-              <a:rPr lang="en-US" dirty="0" err="1" smtClean="0"/>
-              <a:t>vars_for_template</a:t>
+              <a:rPr lang="en-US" dirty="0"/>
+              <a:t>model </a:t>
+            </a:r>
+            <a:r>
+              <a:rPr lang="en-US" b="1" dirty="0" smtClean="0"/>
+              <a:t>also </a:t>
             </a:r>
             <a:r>
               <a:rPr lang="en-US" dirty="0" smtClean="0"/>
-              <a:t> (should return variables in a form of </a:t>
-            </a:r>
-            <a:r>
-              <a:rPr lang="en-US" b="1" dirty="0" smtClean="0"/>
-              <a:t>dictionary)</a:t>
-            </a:r>
-            <a:endParaRPr lang="en-US" dirty="0" smtClean="0"/>
-          </a:p>
-          <a:p>
-            <a:pPr lvl="0">
-              <a:lnSpc>
-                <a:spcPct val="150000"/>
-              </a:lnSpc>
-            </a:pPr>
-            <a:r>
-              <a:rPr lang="en-US" dirty="0" smtClean="0"/>
-              <a:t>AFTER page is shown:</a:t>
-            </a:r>
-          </a:p>
-          <a:p>
-            <a:pPr lvl="1">
-              <a:lnSpc>
-                <a:spcPct val="150000"/>
-              </a:lnSpc>
-            </a:pPr>
-            <a:r>
-              <a:rPr lang="en-US" dirty="0" err="1" smtClean="0"/>
-              <a:t>before_next_page</a:t>
-            </a:r>
-            <a:endParaRPr lang="en-US" dirty="0" smtClean="0"/>
+              <a:t>has two other methods:</a:t>
+            </a:r>
+          </a:p>
+          <a:p>
+            <a:pPr lvl="1"/>
+            <a:r>
+              <a:rPr lang="en-US" b="1" dirty="0" err="1" smtClean="0">
+                <a:solidFill>
+                  <a:srgbClr val="FF0000"/>
+                </a:solidFill>
+                <a:latin typeface="Courier" charset="0"/>
+                <a:ea typeface="Courier" charset="0"/>
+                <a:cs typeface="Courier" charset="0"/>
+              </a:rPr>
+              <a:t>get_players</a:t>
+            </a:r>
+            <a:r>
+              <a:rPr lang="en-US" b="1" dirty="0" smtClean="0">
+                <a:solidFill>
+                  <a:srgbClr val="FF0000"/>
+                </a:solidFill>
+                <a:latin typeface="Courier" charset="0"/>
+                <a:ea typeface="Courier" charset="0"/>
+                <a:cs typeface="Courier" charset="0"/>
+              </a:rPr>
+              <a:t>()</a:t>
+            </a:r>
+          </a:p>
+          <a:p>
+            <a:pPr lvl="1"/>
+            <a:r>
+              <a:rPr lang="en-US" b="1" dirty="0" err="1" smtClean="0">
+                <a:solidFill>
+                  <a:srgbClr val="FF0000"/>
+                </a:solidFill>
+                <a:latin typeface="Courier" charset="0"/>
+                <a:ea typeface="Courier" charset="0"/>
+                <a:cs typeface="Courier" charset="0"/>
+              </a:rPr>
+              <a:t>get_groups</a:t>
+            </a:r>
+            <a:r>
+              <a:rPr lang="en-US" b="1" dirty="0" smtClean="0">
+                <a:solidFill>
+                  <a:srgbClr val="FF0000"/>
+                </a:solidFill>
+                <a:latin typeface="Courier" charset="0"/>
+                <a:ea typeface="Courier" charset="0"/>
+                <a:cs typeface="Courier" charset="0"/>
+              </a:rPr>
+              <a:t>()</a:t>
+            </a:r>
+            <a:endParaRPr lang="en-US" b="1" dirty="0">
+              <a:solidFill>
+                <a:srgbClr val="FF0000"/>
+              </a:solidFill>
+              <a:latin typeface="Courier" charset="0"/>
+              <a:ea typeface="Courier" charset="0"/>
+              <a:cs typeface="Courier" charset="0"/>
+            </a:endParaRPr>
+          </a:p>
+          <a:p>
+            <a:endParaRPr lang="en-US" dirty="0"/>
           </a:p>
         </p:txBody>
       </p:sp>
     </p:spTree>
     <p:extLst>
       <p:ext uri="{BB962C8B-B14F-4D97-AF65-F5344CB8AC3E}">
-        <p14:creationId xmlns:p14="http://schemas.microsoft.com/office/powerpoint/2010/main" val="1401883589"/>
+        <p14:creationId xmlns:p14="http://schemas.microsoft.com/office/powerpoint/2010/main" val="391590429"/>
       </p:ext>
     </p:extLst>
   </p:cSld>
@@ -16404,8 +16407,24 @@
           <a:lstStyle/>
           <a:p>
             <a:r>
+              <a:rPr lang="en-US" dirty="0" err="1" smtClean="0">
+                <a:latin typeface="Courier" charset="0"/>
+                <a:ea typeface="Courier" charset="0"/>
+                <a:cs typeface="Courier" charset="0"/>
+              </a:rPr>
+              <a:t>creating_session</a:t>
+            </a:r>
+            <a:r>
+              <a:rPr lang="en-US" dirty="0" smtClean="0">
+                <a:latin typeface="Courier" charset="0"/>
+                <a:ea typeface="Courier" charset="0"/>
+                <a:cs typeface="Courier" charset="0"/>
+              </a:rPr>
+              <a:t> </a:t>
+            </a:r>
+            <a:r>
               <a:rPr lang="en-US" dirty="0" smtClean="0"/>
-              <a:t>Dynamic set of forms</a:t>
+              <a:t>method</a:t>
             </a:r>
             <a:endParaRPr lang="en-US" dirty="0"/>
           </a:p>
@@ -16413,7 +16432,7 @@
       </p:sp>
       <p:sp>
         <p:nvSpPr>
-          <p:cNvPr id="3" name="Content Placeholder 2"/>
+          <p:cNvPr id="4" name="Content Placeholder 3"/>
           <p:cNvSpPr>
             <a:spLocks noGrp="1"/>
           </p:cNvSpPr>
@@ -16423,12 +16442,14 @@
         </p:nvSpPr>
         <p:spPr/>
         <p:txBody>
-          <a:bodyPr/>
+          <a:bodyPr>
+            <a:normAutofit fontScale="92500" lnSpcReduction="10000"/>
+          </a:bodyPr>
           <a:lstStyle/>
           <a:p>
             <a:r>
               <a:rPr lang="en-US" dirty="0" smtClean="0"/>
-              <a:t>in Page class:</a:t>
+              <a:t>The following code will randomize total investment per group and contribution per individual player:</a:t>
             </a:r>
           </a:p>
           <a:p>
@@ -16439,7 +16460,60 @@
               <a:buNone/>
             </a:pPr>
             <a:r>
-              <a:rPr lang="en-US" dirty="0" smtClean="0">
+              <a:rPr lang="en-US" sz="2400" b="1" dirty="0">
+                <a:latin typeface="Courier" charset="0"/>
+                <a:ea typeface="Courier" charset="0"/>
+                <a:cs typeface="Courier" charset="0"/>
+              </a:rPr>
+              <a:t>import </a:t>
+            </a:r>
+            <a:r>
+              <a:rPr lang="en-US" sz="2400" dirty="0">
+                <a:latin typeface="Courier" charset="0"/>
+                <a:ea typeface="Courier" charset="0"/>
+                <a:cs typeface="Courier" charset="0"/>
+              </a:rPr>
+              <a:t>random</a:t>
+            </a:r>
+            <a:br>
+              <a:rPr lang="en-US" sz="2400" dirty="0">
+                <a:latin typeface="Courier" charset="0"/>
+                <a:ea typeface="Courier" charset="0"/>
+                <a:cs typeface="Courier" charset="0"/>
+              </a:rPr>
+            </a:br>
+            <a:r>
+              <a:rPr lang="en-US" sz="2400" dirty="0">
+                <a:latin typeface="Courier" charset="0"/>
+                <a:ea typeface="Courier" charset="0"/>
+                <a:cs typeface="Courier" charset="0"/>
+              </a:rPr>
+              <a:t/>
+            </a:r>
+            <a:br>
+              <a:rPr lang="en-US" sz="2400" dirty="0">
+                <a:latin typeface="Courier" charset="0"/>
+                <a:ea typeface="Courier" charset="0"/>
+                <a:cs typeface="Courier" charset="0"/>
+              </a:rPr>
+            </a:br>
+            <a:r>
+              <a:rPr lang="en-US" sz="2400" dirty="0">
+                <a:latin typeface="Courier" charset="0"/>
+                <a:ea typeface="Courier" charset="0"/>
+                <a:cs typeface="Courier" charset="0"/>
+              </a:rPr>
+              <a:t/>
+            </a:r>
+            <a:br>
+              <a:rPr lang="en-US" sz="2400" dirty="0">
+                <a:latin typeface="Courier" charset="0"/>
+                <a:ea typeface="Courier" charset="0"/>
+                <a:cs typeface="Courier" charset="0"/>
+              </a:rPr>
+            </a:br>
+            <a:r>
+              <a:rPr lang="en-US" sz="2400" b="1" dirty="0">
                 <a:latin typeface="Courier" charset="0"/>
                 <a:ea typeface="Courier" charset="0"/>
                 <a:cs typeface="Courier" charset="0"/>
@@ -16447,28 +16521,54 @@
               <a:t>class </a:t>
             </a:r>
             <a:r>
-              <a:rPr lang="en-US" dirty="0" err="1" smtClean="0">
-                <a:latin typeface="Courier" charset="0"/>
-                <a:ea typeface="Courier" charset="0"/>
-                <a:cs typeface="Courier" charset="0"/>
-              </a:rPr>
-              <a:t>MyPage</a:t>
-            </a:r>
-            <a:r>
-              <a:rPr lang="en-US" dirty="0" smtClean="0">
-                <a:latin typeface="Courier" charset="0"/>
-                <a:ea typeface="Courier" charset="0"/>
-                <a:cs typeface="Courier" charset="0"/>
-              </a:rPr>
-              <a:t>(Page):</a:t>
-            </a:r>
-          </a:p>
-          <a:p>
-            <a:pPr marL="457200" lvl="1" indent="0">
-              <a:buNone/>
-            </a:pPr>
-            <a:r>
-              <a:rPr lang="en-US" sz="2500" dirty="0" err="1">
+              <a:rPr lang="en-US" sz="2400" dirty="0" err="1">
+                <a:latin typeface="Courier" charset="0"/>
+                <a:ea typeface="Courier" charset="0"/>
+                <a:cs typeface="Courier" charset="0"/>
+              </a:rPr>
+              <a:t>Subsession</a:t>
+            </a:r>
+            <a:r>
+              <a:rPr lang="en-US" sz="2400" dirty="0">
+                <a:latin typeface="Courier" charset="0"/>
+                <a:ea typeface="Courier" charset="0"/>
+                <a:cs typeface="Courier" charset="0"/>
+              </a:rPr>
+              <a:t>(</a:t>
+            </a:r>
+            <a:r>
+              <a:rPr lang="en-US" sz="2400" dirty="0" err="1">
+                <a:latin typeface="Courier" charset="0"/>
+                <a:ea typeface="Courier" charset="0"/>
+                <a:cs typeface="Courier" charset="0"/>
+              </a:rPr>
+              <a:t>BaseSubsession</a:t>
+            </a:r>
+            <a:r>
+              <a:rPr lang="en-US" sz="2400" dirty="0">
+                <a:latin typeface="Courier" charset="0"/>
+                <a:ea typeface="Courier" charset="0"/>
+                <a:cs typeface="Courier" charset="0"/>
+              </a:rPr>
+              <a:t>):</a:t>
+            </a:r>
+            <a:br>
+              <a:rPr lang="en-US" sz="2400" dirty="0">
+                <a:latin typeface="Courier" charset="0"/>
+                <a:ea typeface="Courier" charset="0"/>
+                <a:cs typeface="Courier" charset="0"/>
+              </a:rPr>
+            </a:br>
+            <a:r>
+              <a:rPr lang="en-US" sz="2400" dirty="0">
+                <a:latin typeface="Courier" charset="0"/>
+                <a:ea typeface="Courier" charset="0"/>
+                <a:cs typeface="Courier" charset="0"/>
+              </a:rPr>
+              <a:t>    </a:t>
+            </a:r>
+            <a:r>
+              <a:rPr lang="en-US" sz="2400" b="1" dirty="0" err="1">
                 <a:latin typeface="Courier" charset="0"/>
                 <a:ea typeface="Courier" charset="0"/>
                 <a:cs typeface="Courier" charset="0"/>
@@ -16476,7 +16576,7 @@
               <a:t>def</a:t>
             </a:r>
             <a:r>
-              <a:rPr lang="en-US" sz="2500" dirty="0">
+              <a:rPr lang="en-US" sz="2400" b="1" dirty="0">
                 <a:latin typeface="Courier" charset="0"/>
                 <a:ea typeface="Courier" charset="0"/>
                 <a:cs typeface="Courier" charset="0"/>
@@ -16484,210 +16584,259 @@
               <a:t> </a:t>
             </a:r>
             <a:r>
-              <a:rPr lang="en-US" sz="2500" b="1" dirty="0" err="1">
-                <a:latin typeface="Courier" charset="0"/>
-                <a:ea typeface="Courier" charset="0"/>
-                <a:cs typeface="Courier" charset="0"/>
-              </a:rPr>
-              <a:t>get_form_fields</a:t>
-            </a:r>
-            <a:r>
-              <a:rPr lang="en-US" sz="2500" dirty="0">
-                <a:latin typeface="Courier" charset="0"/>
-                <a:ea typeface="Courier" charset="0"/>
-                <a:cs typeface="Courier" charset="0"/>
-              </a:rPr>
-              <a:t>(self</a:t>
-            </a:r>
-            <a:r>
-              <a:rPr lang="en-US" sz="2500" dirty="0" smtClean="0">
-                <a:latin typeface="Courier" charset="0"/>
-                <a:ea typeface="Courier" charset="0"/>
-                <a:cs typeface="Courier" charset="0"/>
-              </a:rPr>
-              <a:t>):</a:t>
-            </a:r>
-          </a:p>
-          <a:p>
-            <a:pPr marL="914400" lvl="2" indent="0">
-              <a:buNone/>
-            </a:pPr>
-            <a:r>
-              <a:rPr lang="en-US" sz="2500" dirty="0" smtClean="0">
-                <a:latin typeface="Courier" charset="0"/>
-                <a:ea typeface="Courier" charset="0"/>
-                <a:cs typeface="Courier" charset="0"/>
-              </a:rPr>
-              <a:t>if </a:t>
-            </a:r>
-            <a:r>
-              <a:rPr lang="en-US" sz="2500" dirty="0" err="1" smtClean="0">
-                <a:latin typeface="Courier" charset="0"/>
-                <a:ea typeface="Courier" charset="0"/>
-                <a:cs typeface="Courier" charset="0"/>
-              </a:rPr>
-              <a:t>self.player.treatment</a:t>
-            </a:r>
-            <a:r>
-              <a:rPr lang="en-US" sz="2500" dirty="0" smtClean="0">
-                <a:latin typeface="Courier" charset="0"/>
-                <a:ea typeface="Courier" charset="0"/>
-                <a:cs typeface="Courier" charset="0"/>
-              </a:rPr>
-              <a:t> == 'A</a:t>
-            </a:r>
-            <a:r>
-              <a:rPr lang="en-US" sz="2500" dirty="0">
-                <a:latin typeface="Courier" charset="0"/>
-                <a:ea typeface="Courier" charset="0"/>
-                <a:cs typeface="Courier" charset="0"/>
-              </a:rPr>
-              <a:t>'</a:t>
-            </a:r>
-            <a:r>
-              <a:rPr lang="en-US" sz="2500" dirty="0" smtClean="0">
-                <a:latin typeface="Courier" charset="0"/>
-                <a:ea typeface="Courier" charset="0"/>
-                <a:cs typeface="Courier" charset="0"/>
-              </a:rPr>
-              <a:t>:</a:t>
-            </a:r>
-          </a:p>
-          <a:p>
-            <a:pPr marL="914400" lvl="2" indent="0">
-              <a:buNone/>
-            </a:pPr>
-            <a:r>
-              <a:rPr lang="en-US" sz="2500" dirty="0">
-                <a:latin typeface="Courier" charset="0"/>
-                <a:ea typeface="Courier" charset="0"/>
-                <a:cs typeface="Courier" charset="0"/>
-              </a:rPr>
-              <a:t> </a:t>
-            </a:r>
-            <a:r>
-              <a:rPr lang="en-US" sz="2500" dirty="0" smtClean="0">
-                <a:latin typeface="Courier" charset="0"/>
-                <a:ea typeface="Courier" charset="0"/>
-                <a:cs typeface="Courier" charset="0"/>
-              </a:rPr>
-              <a:t>       return ['a</a:t>
-            </a:r>
-            <a:r>
-              <a:rPr lang="en-US" sz="2500" dirty="0">
-                <a:latin typeface="Courier" charset="0"/>
-                <a:ea typeface="Courier" charset="0"/>
-                <a:cs typeface="Courier" charset="0"/>
-              </a:rPr>
-              <a:t>'</a:t>
-            </a:r>
-            <a:r>
-              <a:rPr lang="en-US" sz="2500" dirty="0" smtClean="0">
-                <a:latin typeface="Courier" charset="0"/>
-                <a:ea typeface="Courier" charset="0"/>
-                <a:cs typeface="Courier" charset="0"/>
-              </a:rPr>
-              <a:t>, 'b</a:t>
-            </a:r>
-            <a:r>
-              <a:rPr lang="en-US" sz="2500" dirty="0">
-                <a:latin typeface="Courier" charset="0"/>
-                <a:ea typeface="Courier" charset="0"/>
-                <a:cs typeface="Courier" charset="0"/>
-              </a:rPr>
-              <a:t>'</a:t>
-            </a:r>
-            <a:r>
-              <a:rPr lang="en-US" sz="2500" dirty="0" smtClean="0">
-                <a:latin typeface="Courier" charset="0"/>
-                <a:ea typeface="Courier" charset="0"/>
-                <a:cs typeface="Courier" charset="0"/>
-              </a:rPr>
-              <a:t>]</a:t>
-            </a:r>
-          </a:p>
-          <a:p>
-            <a:pPr marL="914400" lvl="2" indent="0">
-              <a:buNone/>
-            </a:pPr>
-            <a:r>
-              <a:rPr lang="en-US" sz="2500" dirty="0" smtClean="0">
-                <a:latin typeface="Courier" charset="0"/>
-                <a:ea typeface="Courier" charset="0"/>
-                <a:cs typeface="Courier" charset="0"/>
-              </a:rPr>
-              <a:t>else:</a:t>
-            </a:r>
-          </a:p>
-          <a:p>
-            <a:pPr marL="914400" lvl="2" indent="0">
-              <a:buNone/>
-            </a:pPr>
-            <a:r>
-              <a:rPr lang="en-US" sz="2500" dirty="0" smtClean="0">
-                <a:latin typeface="Courier" charset="0"/>
-                <a:ea typeface="Courier" charset="0"/>
-                <a:cs typeface="Courier" charset="0"/>
-              </a:rPr>
-              <a:t>         return ['c</a:t>
-            </a:r>
-            <a:r>
-              <a:rPr lang="en-US" sz="2500" dirty="0">
-                <a:latin typeface="Courier" charset="0"/>
-                <a:ea typeface="Courier" charset="0"/>
-                <a:cs typeface="Courier" charset="0"/>
-              </a:rPr>
-              <a:t>'</a:t>
-            </a:r>
-            <a:r>
-              <a:rPr lang="en-US" sz="2500" dirty="0" smtClean="0">
-                <a:latin typeface="Courier" charset="0"/>
-                <a:ea typeface="Courier" charset="0"/>
-                <a:cs typeface="Courier" charset="0"/>
-              </a:rPr>
-              <a:t>, 'd</a:t>
-            </a:r>
-            <a:r>
-              <a:rPr lang="en-US" sz="2500" dirty="0">
-                <a:latin typeface="Courier" charset="0"/>
-                <a:ea typeface="Courier" charset="0"/>
-                <a:cs typeface="Courier" charset="0"/>
-              </a:rPr>
-              <a:t>'</a:t>
-            </a:r>
-            <a:r>
-              <a:rPr lang="en-US" sz="2500" dirty="0" smtClean="0">
-                <a:latin typeface="Courier" charset="0"/>
-                <a:ea typeface="Courier" charset="0"/>
-                <a:cs typeface="Courier" charset="0"/>
-              </a:rPr>
-              <a:t>]</a:t>
-            </a:r>
-            <a:endParaRPr lang="en-US" sz="2500" dirty="0">
+              <a:rPr lang="en-US" sz="2400" dirty="0" err="1">
+                <a:latin typeface="Courier" charset="0"/>
+                <a:ea typeface="Courier" charset="0"/>
+                <a:cs typeface="Courier" charset="0"/>
+              </a:rPr>
+              <a:t>creating_session</a:t>
+            </a:r>
+            <a:r>
+              <a:rPr lang="en-US" sz="2400" dirty="0">
+                <a:latin typeface="Courier" charset="0"/>
+                <a:ea typeface="Courier" charset="0"/>
+                <a:cs typeface="Courier" charset="0"/>
+              </a:rPr>
+              <a:t>(self):</a:t>
+            </a:r>
+            <a:br>
+              <a:rPr lang="en-US" sz="2400" dirty="0">
+                <a:latin typeface="Courier" charset="0"/>
+                <a:ea typeface="Courier" charset="0"/>
+                <a:cs typeface="Courier" charset="0"/>
+              </a:rPr>
+            </a:br>
+            <a:r>
+              <a:rPr lang="en-US" sz="2400" dirty="0">
+                <a:latin typeface="Courier" charset="0"/>
+                <a:ea typeface="Courier" charset="0"/>
+                <a:cs typeface="Courier" charset="0"/>
+              </a:rPr>
+              <a:t>        </a:t>
+            </a:r>
+            <a:r>
+              <a:rPr lang="en-US" sz="2400" b="1" dirty="0">
+                <a:latin typeface="Courier" charset="0"/>
+                <a:ea typeface="Courier" charset="0"/>
+                <a:cs typeface="Courier" charset="0"/>
+              </a:rPr>
+              <a:t>for </a:t>
+            </a:r>
+            <a:r>
+              <a:rPr lang="en-US" sz="2400" dirty="0">
+                <a:latin typeface="Courier" charset="0"/>
+                <a:ea typeface="Courier" charset="0"/>
+                <a:cs typeface="Courier" charset="0"/>
+              </a:rPr>
+              <a:t>g </a:t>
+            </a:r>
+            <a:r>
+              <a:rPr lang="en-US" sz="2400" b="1" dirty="0">
+                <a:latin typeface="Courier" charset="0"/>
+                <a:ea typeface="Courier" charset="0"/>
+                <a:cs typeface="Courier" charset="0"/>
+              </a:rPr>
+              <a:t>in </a:t>
+            </a:r>
+            <a:r>
+              <a:rPr lang="en-US" sz="2400" dirty="0" err="1">
+                <a:latin typeface="Courier" charset="0"/>
+                <a:ea typeface="Courier" charset="0"/>
+                <a:cs typeface="Courier" charset="0"/>
+              </a:rPr>
+              <a:t>self.get_groups</a:t>
+            </a:r>
+            <a:r>
+              <a:rPr lang="en-US" sz="2400" dirty="0">
+                <a:latin typeface="Courier" charset="0"/>
+                <a:ea typeface="Courier" charset="0"/>
+                <a:cs typeface="Courier" charset="0"/>
+              </a:rPr>
+              <a:t>():</a:t>
+            </a:r>
+            <a:br>
+              <a:rPr lang="en-US" sz="2400" dirty="0">
+                <a:latin typeface="Courier" charset="0"/>
+                <a:ea typeface="Courier" charset="0"/>
+                <a:cs typeface="Courier" charset="0"/>
+              </a:rPr>
+            </a:br>
+            <a:r>
+              <a:rPr lang="en-US" sz="2400" dirty="0">
+                <a:latin typeface="Courier" charset="0"/>
+                <a:ea typeface="Courier" charset="0"/>
+                <a:cs typeface="Courier" charset="0"/>
+              </a:rPr>
+              <a:t>            </a:t>
+            </a:r>
+            <a:r>
+              <a:rPr lang="en-US" sz="2400" dirty="0" err="1">
+                <a:latin typeface="Courier" charset="0"/>
+                <a:ea typeface="Courier" charset="0"/>
+                <a:cs typeface="Courier" charset="0"/>
+              </a:rPr>
+              <a:t>g.total_investment</a:t>
+            </a:r>
+            <a:r>
+              <a:rPr lang="en-US" sz="2400" dirty="0">
+                <a:latin typeface="Courier" charset="0"/>
+                <a:ea typeface="Courier" charset="0"/>
+                <a:cs typeface="Courier" charset="0"/>
+              </a:rPr>
+              <a:t> = </a:t>
+            </a:r>
+            <a:r>
+              <a:rPr lang="en-US" sz="2400" dirty="0" err="1">
+                <a:latin typeface="Courier" charset="0"/>
+                <a:ea typeface="Courier" charset="0"/>
+                <a:cs typeface="Courier" charset="0"/>
+              </a:rPr>
+              <a:t>random.randint</a:t>
+            </a:r>
+            <a:r>
+              <a:rPr lang="en-US" sz="2400" dirty="0">
+                <a:latin typeface="Courier" charset="0"/>
+                <a:ea typeface="Courier" charset="0"/>
+                <a:cs typeface="Courier" charset="0"/>
+              </a:rPr>
+              <a:t>(0, 100)</a:t>
+            </a:r>
+            <a:br>
+              <a:rPr lang="en-US" sz="2400" dirty="0">
+                <a:latin typeface="Courier" charset="0"/>
+                <a:ea typeface="Courier" charset="0"/>
+                <a:cs typeface="Courier" charset="0"/>
+              </a:rPr>
+            </a:br>
+            <a:r>
+              <a:rPr lang="en-US" sz="2400" dirty="0">
+                <a:latin typeface="Courier" charset="0"/>
+                <a:ea typeface="Courier" charset="0"/>
+                <a:cs typeface="Courier" charset="0"/>
+              </a:rPr>
+              <a:t>        </a:t>
+            </a:r>
+            <a:r>
+              <a:rPr lang="en-US" sz="2400" b="1" dirty="0">
+                <a:latin typeface="Courier" charset="0"/>
+                <a:ea typeface="Courier" charset="0"/>
+                <a:cs typeface="Courier" charset="0"/>
+              </a:rPr>
+              <a:t>for </a:t>
+            </a:r>
+            <a:r>
+              <a:rPr lang="en-US" sz="2400" dirty="0">
+                <a:latin typeface="Courier" charset="0"/>
+                <a:ea typeface="Courier" charset="0"/>
+                <a:cs typeface="Courier" charset="0"/>
+              </a:rPr>
+              <a:t>p </a:t>
+            </a:r>
+            <a:r>
+              <a:rPr lang="en-US" sz="2400" b="1" dirty="0">
+                <a:latin typeface="Courier" charset="0"/>
+                <a:ea typeface="Courier" charset="0"/>
+                <a:cs typeface="Courier" charset="0"/>
+              </a:rPr>
+              <a:t>in </a:t>
+            </a:r>
+            <a:r>
+              <a:rPr lang="en-US" sz="2400" dirty="0" err="1">
+                <a:latin typeface="Courier" charset="0"/>
+                <a:ea typeface="Courier" charset="0"/>
+                <a:cs typeface="Courier" charset="0"/>
+              </a:rPr>
+              <a:t>self.get_players</a:t>
+            </a:r>
+            <a:r>
+              <a:rPr lang="en-US" sz="2400" dirty="0">
+                <a:latin typeface="Courier" charset="0"/>
+                <a:ea typeface="Courier" charset="0"/>
+                <a:cs typeface="Courier" charset="0"/>
+              </a:rPr>
+              <a:t>():</a:t>
+            </a:r>
+            <a:br>
+              <a:rPr lang="en-US" sz="2400" dirty="0">
+                <a:latin typeface="Courier" charset="0"/>
+                <a:ea typeface="Courier" charset="0"/>
+                <a:cs typeface="Courier" charset="0"/>
+              </a:rPr>
+            </a:br>
+            <a:r>
+              <a:rPr lang="en-US" sz="2400" dirty="0">
+                <a:latin typeface="Courier" charset="0"/>
+                <a:ea typeface="Courier" charset="0"/>
+                <a:cs typeface="Courier" charset="0"/>
+              </a:rPr>
+              <a:t>            </a:t>
+            </a:r>
+            <a:r>
+              <a:rPr lang="en-US" sz="2400" dirty="0" err="1">
+                <a:latin typeface="Courier" charset="0"/>
+                <a:ea typeface="Courier" charset="0"/>
+                <a:cs typeface="Courier" charset="0"/>
+              </a:rPr>
+              <a:t>p.contribution</a:t>
+            </a:r>
+            <a:r>
+              <a:rPr lang="en-US" sz="2400" dirty="0">
+                <a:latin typeface="Courier" charset="0"/>
+                <a:ea typeface="Courier" charset="0"/>
+                <a:cs typeface="Courier" charset="0"/>
+              </a:rPr>
+              <a:t> = </a:t>
+            </a:r>
+            <a:r>
+              <a:rPr lang="en-US" sz="2400" dirty="0" err="1">
+                <a:latin typeface="Courier" charset="0"/>
+                <a:ea typeface="Courier" charset="0"/>
+                <a:cs typeface="Courier" charset="0"/>
+              </a:rPr>
+              <a:t>random.randint</a:t>
+            </a:r>
+            <a:r>
+              <a:rPr lang="en-US" sz="2400" dirty="0">
+                <a:latin typeface="Courier" charset="0"/>
+                <a:ea typeface="Courier" charset="0"/>
+                <a:cs typeface="Courier" charset="0"/>
+              </a:rPr>
+              <a:t>(0, 10)</a:t>
+            </a:r>
+            <a:br>
+              <a:rPr lang="en-US" sz="2400" dirty="0">
+                <a:latin typeface="Courier" charset="0"/>
+                <a:ea typeface="Courier" charset="0"/>
+                <a:cs typeface="Courier" charset="0"/>
+              </a:rPr>
+            </a:br>
+            <a:r>
+              <a:rPr lang="en-US" sz="2400" dirty="0">
+                <a:latin typeface="Courier" charset="0"/>
+                <a:ea typeface="Courier" charset="0"/>
+                <a:cs typeface="Courier" charset="0"/>
+              </a:rPr>
+              <a:t/>
+            </a:r>
+            <a:br>
+              <a:rPr lang="en-US" sz="2400" dirty="0">
+                <a:latin typeface="Courier" charset="0"/>
+                <a:ea typeface="Courier" charset="0"/>
+                <a:cs typeface="Courier" charset="0"/>
+              </a:rPr>
+            </a:br>
+            <a:endParaRPr lang="en-US" sz="2400" dirty="0">
               <a:latin typeface="Courier" charset="0"/>
               <a:ea typeface="Courier" charset="0"/>
               <a:cs typeface="Courier" charset="0"/>
             </a:endParaRPr>
           </a:p>
-          <a:p>
-            <a:pPr marL="914400" lvl="2" indent="0">
-              <a:buNone/>
-            </a:pPr>
-            <a:r>
-              <a:rPr lang="en-US" dirty="0" smtClean="0">
-                <a:latin typeface="Courier" charset="0"/>
-                <a:ea typeface="Courier" charset="0"/>
-                <a:cs typeface="Courier" charset="0"/>
-              </a:rPr>
-              <a:t>         </a:t>
-            </a:r>
-          </a:p>
         </p:txBody>
       </p:sp>
     </p:spTree>
     <p:extLst>
       <p:ext uri="{BB962C8B-B14F-4D97-AF65-F5344CB8AC3E}">
-        <p14:creationId xmlns:p14="http://schemas.microsoft.com/office/powerpoint/2010/main" val="609161902"/>
+        <p14:creationId xmlns:p14="http://schemas.microsoft.com/office/powerpoint/2010/main" val="2026157052"/>
       </p:ext>
     </p:extLst>
   </p:cSld>
@@ -16737,8 +16886,24 @@
           <a:lstStyle/>
           <a:p>
             <a:r>
+              <a:rPr lang="en-US" dirty="0" err="1" smtClean="0">
+                <a:latin typeface="Courier" charset="0"/>
+                <a:ea typeface="Courier" charset="0"/>
+                <a:cs typeface="Courier" charset="0"/>
+              </a:rPr>
+              <a:t>creating_session</a:t>
+            </a:r>
+            <a:r>
+              <a:rPr lang="en-US" dirty="0" smtClean="0">
+                <a:latin typeface="Courier" charset="0"/>
+                <a:ea typeface="Courier" charset="0"/>
+                <a:cs typeface="Courier" charset="0"/>
+              </a:rPr>
+              <a:t> </a:t>
+            </a:r>
+            <a:r>
               <a:rPr lang="en-US" dirty="0" smtClean="0"/>
-              <a:t>Dynamic min/max</a:t>
+              <a:t>method</a:t>
             </a:r>
             <a:endParaRPr lang="en-US" dirty="0"/>
           </a:p>
@@ -16746,7 +16911,7 @@
       </p:sp>
       <p:sp>
         <p:nvSpPr>
-          <p:cNvPr id="3" name="Content Placeholder 2"/>
+          <p:cNvPr id="4" name="Content Placeholder 3"/>
           <p:cNvSpPr>
             <a:spLocks noGrp="1"/>
           </p:cNvSpPr>
@@ -16763,123 +16928,50 @@
           <a:p>
             <a:r>
               <a:rPr lang="en-US" dirty="0" smtClean="0"/>
-              <a:t>you have a field </a:t>
-            </a:r>
-            <a:r>
-              <a:rPr lang="en-US" i="1" dirty="0" smtClean="0"/>
-              <a:t>donation; </a:t>
-            </a:r>
+              <a:t>The following code will randomize total investment per group and contribution per individual player:</a:t>
+            </a:r>
+          </a:p>
+          <a:p>
             <a:r>
               <a:rPr lang="en-US" dirty="0" smtClean="0"/>
-              <a:t>different </a:t>
-            </a:r>
-            <a:r>
-              <a:rPr lang="en-US" i="1" dirty="0" smtClean="0"/>
-              <a:t>endowments</a:t>
-            </a:r>
-            <a:endParaRPr lang="en-US" dirty="0" smtClean="0"/>
-          </a:p>
-          <a:p>
-            <a:r>
-              <a:rPr lang="en-US" dirty="0" smtClean="0"/>
-              <a:t>in Page class:</a:t>
-            </a:r>
-          </a:p>
-          <a:p>
-            <a:pPr marL="1317625" indent="0">
+              <a:t>Result:</a:t>
+            </a:r>
+          </a:p>
+          <a:p>
+            <a:pPr marL="0" indent="0">
               <a:buNone/>
             </a:pPr>
             <a:r>
-              <a:rPr lang="en-US" dirty="0" smtClean="0">
-                <a:latin typeface="Courier" charset="0"/>
-                <a:ea typeface="Courier" charset="0"/>
-                <a:cs typeface="Courier" charset="0"/>
-              </a:rPr>
-              <a:t>class </a:t>
-            </a:r>
-            <a:r>
-              <a:rPr lang="en-US" dirty="0" err="1" smtClean="0">
-                <a:latin typeface="Courier" charset="0"/>
-                <a:ea typeface="Courier" charset="0"/>
-                <a:cs typeface="Courier" charset="0"/>
-              </a:rPr>
-              <a:t>MyPage</a:t>
-            </a:r>
-            <a:r>
-              <a:rPr lang="en-US" dirty="0" smtClean="0">
-                <a:latin typeface="Courier" charset="0"/>
-                <a:ea typeface="Courier" charset="0"/>
-                <a:cs typeface="Courier" charset="0"/>
-              </a:rPr>
-              <a:t>(Page):</a:t>
-            </a:r>
-          </a:p>
-          <a:p>
-            <a:pPr marL="1317625" lvl="1" indent="0">
-              <a:buNone/>
-            </a:pPr>
-            <a:r>
-              <a:rPr lang="en-US" sz="2800" dirty="0" smtClean="0">
-                <a:latin typeface="Courier" charset="0"/>
-                <a:ea typeface="Courier" charset="0"/>
-                <a:cs typeface="Courier" charset="0"/>
-              </a:rPr>
-              <a:t>  </a:t>
-            </a:r>
-            <a:r>
-              <a:rPr lang="en-US" sz="2800" dirty="0" err="1" smtClean="0">
-                <a:latin typeface="Courier" charset="0"/>
-                <a:ea typeface="Courier" charset="0"/>
-                <a:cs typeface="Courier" charset="0"/>
-              </a:rPr>
-              <a:t>def</a:t>
-            </a:r>
-            <a:r>
-              <a:rPr lang="en-US" sz="2800" dirty="0" smtClean="0">
-                <a:latin typeface="Courier" charset="0"/>
-                <a:ea typeface="Courier" charset="0"/>
-                <a:cs typeface="Courier" charset="0"/>
-              </a:rPr>
-              <a:t> </a:t>
-            </a:r>
-            <a:r>
-              <a:rPr lang="en-US" sz="2800" dirty="0" err="1" smtClean="0">
-                <a:latin typeface="Courier" charset="0"/>
-                <a:ea typeface="Courier" charset="0"/>
-                <a:cs typeface="Courier" charset="0"/>
-              </a:rPr>
-              <a:t>donation_max</a:t>
-            </a:r>
-            <a:r>
-              <a:rPr lang="en-US" sz="2800" dirty="0" smtClean="0">
-                <a:latin typeface="Courier" charset="0"/>
-                <a:ea typeface="Courier" charset="0"/>
-                <a:cs typeface="Courier" charset="0"/>
-              </a:rPr>
-              <a:t>(self):</a:t>
-            </a:r>
-          </a:p>
-          <a:p>
-            <a:pPr marL="1317625" lvl="1" indent="0">
-              <a:buNone/>
-            </a:pPr>
-            <a:r>
-              <a:rPr lang="en-US" sz="2800" dirty="0" smtClean="0">
-                <a:latin typeface="Courier" charset="0"/>
-                <a:ea typeface="Courier" charset="0"/>
-                <a:cs typeface="Courier" charset="0"/>
-              </a:rPr>
-              <a:t>    return </a:t>
-            </a:r>
-            <a:r>
-              <a:rPr lang="en-US" sz="2800" dirty="0" err="1" smtClean="0">
-                <a:latin typeface="Courier" charset="0"/>
-                <a:ea typeface="Courier" charset="0"/>
-                <a:cs typeface="Courier" charset="0"/>
-              </a:rPr>
-              <a:t>self.player.endowment</a:t>
-            </a:r>
-            <a:endParaRPr lang="en-US" dirty="0" smtClean="0">
+              <a:rPr lang="en-US" sz="2400" dirty="0">
+                <a:latin typeface="Courier" charset="0"/>
+                <a:ea typeface="Courier" charset="0"/>
+                <a:cs typeface="Courier" charset="0"/>
+              </a:rPr>
+              <a:t/>
+            </a:r>
+            <a:br>
+              <a:rPr lang="en-US" sz="2400" dirty="0">
+                <a:latin typeface="Courier" charset="0"/>
+                <a:ea typeface="Courier" charset="0"/>
+                <a:cs typeface="Courier" charset="0"/>
+              </a:rPr>
+            </a:br>
+            <a:r>
+              <a:rPr lang="en-US" sz="2400" dirty="0">
+                <a:latin typeface="Courier" charset="0"/>
+                <a:ea typeface="Courier" charset="0"/>
+                <a:cs typeface="Courier" charset="0"/>
+              </a:rPr>
+              <a:t/>
+            </a:r>
+            <a:br>
+              <a:rPr lang="en-US" sz="2400" dirty="0">
+                <a:latin typeface="Courier" charset="0"/>
+                <a:ea typeface="Courier" charset="0"/>
+                <a:cs typeface="Courier" charset="0"/>
+              </a:rPr>
+            </a:br>
+            <a:endParaRPr lang="en-US" sz="2400" dirty="0">
               <a:latin typeface="Courier" charset="0"/>
               <a:ea typeface="Courier" charset="0"/>
               <a:cs typeface="Courier" charset="0"/>
@@ -16887,246 +16979,34 @@
           </a:p>
         </p:txBody>
       </p:sp>
+      <p:pic>
+        <p:nvPicPr>
+          <p:cNvPr id="3" name="Picture 2"/>
+          <p:cNvPicPr>
+            <a:picLocks noChangeAspect="1"/>
+          </p:cNvPicPr>
+          <p:nvPr/>
+        </p:nvPicPr>
+        <p:blipFill>
+          <a:blip r:embed="rId2"/>
+          <a:stretch>
+            <a:fillRect/>
+          </a:stretch>
+        </p:blipFill>
+        <p:spPr>
+          <a:xfrm>
+            <a:off x="666750" y="3249516"/>
+            <a:ext cx="11125200" cy="3608484"/>
+          </a:xfrm>
+          <a:prstGeom prst="rect">
+            <a:avLst/>
+          </a:prstGeom>
+        </p:spPr>
+      </p:pic>
     </p:spTree>
     <p:extLst>
       <p:ext uri="{BB962C8B-B14F-4D97-AF65-F5344CB8AC3E}">
-        <p14:creationId xmlns:p14="http://schemas.microsoft.com/office/powerpoint/2010/main" val="1129541665"/>
-      </p:ext>
-    </p:extLst>
-  </p:cSld>
-  <p:clrMapOvr>
-    <a:masterClrMapping/>
-  </p:clrMapOvr>
-  <p:timing>
-    <p:tnLst>
-      <p:par>
-        <p:cTn id="1" dur="indefinite" restart="never" nodeType="tmRoot"/>
-      </p:par>
-    </p:tnLst>
-  </p:timing>
-</p:sld>
-</file>
-
-<file path=ppt/slides/slide49.xml><?xml version="1.0" encoding="utf-8"?>
-<p:sld xmlns:a="http://schemas.openxmlformats.org/drawingml/2006/main" xmlns:r="http://schemas.openxmlformats.org/officeDocument/2006/relationships" xmlns:p="http://schemas.openxmlformats.org/presentationml/2006/main">
-  <p:cSld>
-    <p:spTree>
-      <p:nvGrpSpPr>
-        <p:cNvPr id="1" name=""/>
-        <p:cNvGrpSpPr/>
-        <p:nvPr/>
-      </p:nvGrpSpPr>
-      <p:grpSpPr>
-        <a:xfrm>
-          <a:off x="0" y="0"/>
-          <a:ext cx="0" cy="0"/>
-          <a:chOff x="0" y="0"/>
-          <a:chExt cx="0" cy="0"/>
-        </a:xfrm>
-      </p:grpSpPr>
-      <p:sp>
-        <p:nvSpPr>
-          <p:cNvPr id="2" name="Title 1"/>
-          <p:cNvSpPr>
-            <a:spLocks noGrp="1"/>
-          </p:cNvSpPr>
-          <p:nvPr>
-            <p:ph type="title"/>
-          </p:nvPr>
-        </p:nvSpPr>
-        <p:spPr/>
-        <p:txBody>
-          <a:bodyPr/>
-          <a:lstStyle/>
-          <a:p>
-            <a:r>
-              <a:rPr lang="en-US" dirty="0" smtClean="0"/>
-              <a:t>Templates: using variables</a:t>
-            </a:r>
-            <a:endParaRPr lang="en-US" dirty="0"/>
-          </a:p>
-        </p:txBody>
-      </p:sp>
-      <p:sp>
-        <p:nvSpPr>
-          <p:cNvPr id="7" name="Content Placeholder 6"/>
-          <p:cNvSpPr>
-            <a:spLocks noGrp="1"/>
-          </p:cNvSpPr>
-          <p:nvPr>
-            <p:ph idx="1"/>
-          </p:nvPr>
-        </p:nvSpPr>
-        <p:spPr/>
-        <p:txBody>
-          <a:bodyPr>
-            <a:normAutofit lnSpcReduction="10000"/>
-          </a:bodyPr>
-          <a:lstStyle/>
-          <a:p>
-            <a:r>
-              <a:rPr lang="en-US" dirty="0" smtClean="0"/>
-              <a:t>In a template you can access variables defined in </a:t>
-            </a:r>
-            <a:r>
-              <a:rPr lang="en-US" dirty="0" err="1" smtClean="0">
-                <a:latin typeface="Courier" charset="0"/>
-                <a:ea typeface="Courier" charset="0"/>
-                <a:cs typeface="Courier" charset="0"/>
-              </a:rPr>
-              <a:t>vars_for_template</a:t>
-            </a:r>
-            <a:r>
-              <a:rPr lang="en-US" dirty="0">
-                <a:latin typeface="Courier" charset="0"/>
-                <a:ea typeface="Courier" charset="0"/>
-                <a:cs typeface="Courier" charset="0"/>
-              </a:rPr>
-              <a:t> </a:t>
-            </a:r>
-            <a:r>
-              <a:rPr lang="en-US" dirty="0" smtClean="0"/>
-              <a:t>of the specific page:</a:t>
-            </a:r>
-          </a:p>
-          <a:p>
-            <a:endParaRPr lang="en-US" dirty="0" smtClean="0"/>
-          </a:p>
-          <a:p>
-            <a:pPr marL="0" indent="0" algn="ctr">
-              <a:buNone/>
-            </a:pPr>
-            <a:r>
-              <a:rPr lang="en-US" dirty="0" smtClean="0">
-                <a:latin typeface="Courier" charset="0"/>
-                <a:ea typeface="Courier" charset="0"/>
-                <a:cs typeface="Courier" charset="0"/>
-              </a:rPr>
-              <a:t>{{ </a:t>
-            </a:r>
-            <a:r>
-              <a:rPr lang="en-US" dirty="0" err="1" smtClean="0">
-                <a:latin typeface="Courier" charset="0"/>
-                <a:ea typeface="Courier" charset="0"/>
-                <a:cs typeface="Courier" charset="0"/>
-              </a:rPr>
-              <a:t>var</a:t>
-            </a:r>
-            <a:r>
-              <a:rPr lang="en-US" dirty="0" smtClean="0">
-                <a:latin typeface="Courier" charset="0"/>
-                <a:ea typeface="Courier" charset="0"/>
-                <a:cs typeface="Courier" charset="0"/>
-              </a:rPr>
-              <a:t> }}</a:t>
-            </a:r>
-          </a:p>
-          <a:p>
-            <a:pPr marL="0" indent="0">
-              <a:buNone/>
-            </a:pPr>
-            <a:r>
-              <a:rPr lang="en-US" dirty="0" smtClean="0">
-                <a:latin typeface="Helvetica Neue Light" charset="0"/>
-                <a:ea typeface="Helvetica Neue Light" charset="0"/>
-                <a:cs typeface="Helvetica Neue Light" charset="0"/>
-              </a:rPr>
-              <a:t>You can also use lists and dictionaries</a:t>
-            </a:r>
-          </a:p>
-          <a:p>
-            <a:r>
-              <a:rPr lang="en-US" dirty="0" smtClean="0"/>
-              <a:t>You can also access any variable in Constants, Player, Group</a:t>
-            </a:r>
-            <a:r>
-              <a:rPr lang="mr-IN" dirty="0" smtClean="0"/>
-              <a:t>…</a:t>
-            </a:r>
-            <a:endParaRPr lang="en-US" dirty="0" smtClean="0"/>
-          </a:p>
-          <a:p>
-            <a:endParaRPr lang="en-US" dirty="0" smtClean="0"/>
-          </a:p>
-          <a:p>
-            <a:pPr marL="0" indent="0" algn="ctr">
-              <a:buNone/>
-            </a:pPr>
-            <a:r>
-              <a:rPr lang="en-US" dirty="0" smtClean="0">
-                <a:latin typeface="Courier" charset="0"/>
-                <a:ea typeface="Courier" charset="0"/>
-                <a:cs typeface="Courier" charset="0"/>
-              </a:rPr>
-              <a:t>{{ </a:t>
-            </a:r>
-            <a:r>
-              <a:rPr lang="en-US" dirty="0" err="1" smtClean="0">
-                <a:latin typeface="Courier" charset="0"/>
-                <a:ea typeface="Courier" charset="0"/>
-                <a:cs typeface="Courier" charset="0"/>
-              </a:rPr>
-              <a:t>player.payoff</a:t>
-            </a:r>
-            <a:r>
-              <a:rPr lang="en-US" dirty="0" smtClean="0">
-                <a:latin typeface="Courier" charset="0"/>
-                <a:ea typeface="Courier" charset="0"/>
-                <a:cs typeface="Courier" charset="0"/>
-              </a:rPr>
-              <a:t> }}</a:t>
-            </a:r>
-          </a:p>
-          <a:p>
-            <a:pPr marL="0" indent="0" algn="ctr">
-              <a:buNone/>
-            </a:pPr>
-            <a:r>
-              <a:rPr lang="en-US" dirty="0">
-                <a:latin typeface="Courier" charset="0"/>
-                <a:ea typeface="Courier" charset="0"/>
-                <a:cs typeface="Courier" charset="0"/>
-              </a:rPr>
-              <a:t>{{ </a:t>
-            </a:r>
-            <a:r>
-              <a:rPr lang="en-US" dirty="0" err="1" smtClean="0">
-                <a:latin typeface="Courier" charset="0"/>
-                <a:ea typeface="Courier" charset="0"/>
-                <a:cs typeface="Courier" charset="0"/>
-              </a:rPr>
-              <a:t>participant.payoff</a:t>
-            </a:r>
-            <a:r>
-              <a:rPr lang="en-US" dirty="0" smtClean="0">
-                <a:latin typeface="Courier" charset="0"/>
-                <a:ea typeface="Courier" charset="0"/>
-                <a:cs typeface="Courier" charset="0"/>
-              </a:rPr>
-              <a:t> }}</a:t>
-            </a:r>
-            <a:endParaRPr lang="en-US" dirty="0">
-              <a:latin typeface="Courier" charset="0"/>
-              <a:ea typeface="Courier" charset="0"/>
-              <a:cs typeface="Courier" charset="0"/>
-            </a:endParaRPr>
-          </a:p>
-          <a:p>
-            <a:pPr marL="0" indent="0" algn="ctr">
-              <a:buNone/>
-            </a:pPr>
-            <a:endParaRPr lang="en-US" dirty="0" smtClean="0">
-              <a:latin typeface="Courier" charset="0"/>
-              <a:ea typeface="Courier" charset="0"/>
-              <a:cs typeface="Courier" charset="0"/>
-            </a:endParaRPr>
-          </a:p>
-        </p:txBody>
-      </p:sp>
-    </p:spTree>
-    <p:extLst>
-      <p:ext uri="{BB962C8B-B14F-4D97-AF65-F5344CB8AC3E}">
-        <p14:creationId xmlns:p14="http://schemas.microsoft.com/office/powerpoint/2010/main" val="523872768"/>
+        <p14:creationId xmlns:p14="http://schemas.microsoft.com/office/powerpoint/2010/main" val="1100149218"/>
       </p:ext>
     </p:extLst>
   </p:cSld>
